--- a/更新我心.pptx
+++ b/更新我心.pptx
@@ -2,7 +2,7 @@
 <file path=ppt/presentation.xml><?xml version="1.0" encoding="utf-8"?>
 <p:presentation xmlns:a="http://schemas.openxmlformats.org/drawingml/2006/main" xmlns:r="http://schemas.openxmlformats.org/officeDocument/2006/relationships" xmlns:p="http://schemas.openxmlformats.org/presentationml/2006/main" saveSubsetFonts="1">
   <p:sldMasterIdLst>
-    <p:sldMasterId id="2147483660" r:id="rId1"/>
+    <p:sldMasterId id="2147483672" r:id="rId1"/>
   </p:sldMasterIdLst>
   <p:sldIdLst>
     <p:sldId id="257" r:id="rId2"/>
@@ -116,7 +116,7 @@
 
 <file path=ppt/slideLayouts/slideLayout1.xml><?xml version="1.0" encoding="utf-8"?>
 <p:sldLayout xmlns:a="http://schemas.openxmlformats.org/drawingml/2006/main" xmlns:r="http://schemas.openxmlformats.org/officeDocument/2006/relationships" xmlns:p="http://schemas.openxmlformats.org/presentationml/2006/main" type="title" preserve="1">
-  <p:cSld name="Title Slide">
+  <p:cSld name="標題投影片">
     <p:spTree>
       <p:nvGrpSpPr>
         <p:cNvPr id="1" name=""/>
@@ -133,7 +133,7 @@
       </p:grpSpPr>
       <p:sp>
         <p:nvSpPr>
-          <p:cNvPr id="2" name="Title 1"/>
+          <p:cNvPr id="2" name="標題 1"/>
           <p:cNvSpPr>
             <a:spLocks noGrp="1"/>
           </p:cNvSpPr>
@@ -143,29 +143,25 @@
         </p:nvSpPr>
         <p:spPr>
           <a:xfrm>
-            <a:off x="685800" y="1122363"/>
-            <a:ext cx="7772400" cy="2387600"/>
+            <a:off x="685800" y="2130425"/>
+            <a:ext cx="7772400" cy="1470025"/>
           </a:xfrm>
         </p:spPr>
         <p:txBody>
-          <a:bodyPr anchor="b"/>
-          <a:lstStyle>
-            <a:lvl1pPr algn="ctr">
-              <a:defRPr sz="6000"/>
-            </a:lvl1pPr>
-          </a:lstStyle>
-          <a:p>
-            <a:r>
-              <a:rPr lang="en-US"/>
+          <a:bodyPr/>
+          <a:lstStyle/>
+          <a:p>
+            <a:r>
+              <a:rPr lang="en-US" altLang="zh-TW" smtClean="0"/>
               <a:t>Click to edit Master title style</a:t>
             </a:r>
-            <a:endParaRPr lang="en-US" dirty="0"/>
-          </a:p>
-        </p:txBody>
-      </p:sp>
-      <p:sp>
-        <p:nvSpPr>
-          <p:cNvPr id="3" name="Subtitle 2"/>
+            <a:endParaRPr lang="zh-TW" altLang="en-US"/>
+          </a:p>
+        </p:txBody>
+      </p:sp>
+      <p:sp>
+        <p:nvSpPr>
+          <p:cNvPr id="3" name="副標題 2"/>
           <p:cNvSpPr>
             <a:spLocks noGrp="1"/>
           </p:cNvSpPr>
@@ -175,8 +171,8 @@
         </p:nvSpPr>
         <p:spPr>
           <a:xfrm>
-            <a:off x="1143000" y="3602038"/>
-            <a:ext cx="6858000" cy="1655762"/>
+            <a:off x="1371600" y="3886200"/>
+            <a:ext cx="6400800" cy="1752600"/>
           </a:xfrm>
         </p:spPr>
         <p:txBody>
@@ -184,53 +180,107 @@
           <a:lstStyle>
             <a:lvl1pPr marL="0" indent="0" algn="ctr">
               <a:buNone/>
-              <a:defRPr sz="2400"/>
+              <a:defRPr>
+                <a:solidFill>
+                  <a:schemeClr val="tx1">
+                    <a:tint val="75000"/>
+                  </a:schemeClr>
+                </a:solidFill>
+              </a:defRPr>
             </a:lvl1pPr>
             <a:lvl2pPr marL="457200" indent="0" algn="ctr">
               <a:buNone/>
-              <a:defRPr sz="2000"/>
+              <a:defRPr>
+                <a:solidFill>
+                  <a:schemeClr val="tx1">
+                    <a:tint val="75000"/>
+                  </a:schemeClr>
+                </a:solidFill>
+              </a:defRPr>
             </a:lvl2pPr>
             <a:lvl3pPr marL="914400" indent="0" algn="ctr">
               <a:buNone/>
-              <a:defRPr sz="1800"/>
+              <a:defRPr>
+                <a:solidFill>
+                  <a:schemeClr val="tx1">
+                    <a:tint val="75000"/>
+                  </a:schemeClr>
+                </a:solidFill>
+              </a:defRPr>
             </a:lvl3pPr>
             <a:lvl4pPr marL="1371600" indent="0" algn="ctr">
               <a:buNone/>
-              <a:defRPr sz="1600"/>
+              <a:defRPr>
+                <a:solidFill>
+                  <a:schemeClr val="tx1">
+                    <a:tint val="75000"/>
+                  </a:schemeClr>
+                </a:solidFill>
+              </a:defRPr>
             </a:lvl4pPr>
             <a:lvl5pPr marL="1828800" indent="0" algn="ctr">
               <a:buNone/>
-              <a:defRPr sz="1600"/>
+              <a:defRPr>
+                <a:solidFill>
+                  <a:schemeClr val="tx1">
+                    <a:tint val="75000"/>
+                  </a:schemeClr>
+                </a:solidFill>
+              </a:defRPr>
             </a:lvl5pPr>
             <a:lvl6pPr marL="2286000" indent="0" algn="ctr">
               <a:buNone/>
-              <a:defRPr sz="1600"/>
+              <a:defRPr>
+                <a:solidFill>
+                  <a:schemeClr val="tx1">
+                    <a:tint val="75000"/>
+                  </a:schemeClr>
+                </a:solidFill>
+              </a:defRPr>
             </a:lvl6pPr>
             <a:lvl7pPr marL="2743200" indent="0" algn="ctr">
               <a:buNone/>
-              <a:defRPr sz="1600"/>
+              <a:defRPr>
+                <a:solidFill>
+                  <a:schemeClr val="tx1">
+                    <a:tint val="75000"/>
+                  </a:schemeClr>
+                </a:solidFill>
+              </a:defRPr>
             </a:lvl7pPr>
             <a:lvl8pPr marL="3200400" indent="0" algn="ctr">
               <a:buNone/>
-              <a:defRPr sz="1600"/>
+              <a:defRPr>
+                <a:solidFill>
+                  <a:schemeClr val="tx1">
+                    <a:tint val="75000"/>
+                  </a:schemeClr>
+                </a:solidFill>
+              </a:defRPr>
             </a:lvl8pPr>
             <a:lvl9pPr marL="3657600" indent="0" algn="ctr">
               <a:buNone/>
-              <a:defRPr sz="1600"/>
+              <a:defRPr>
+                <a:solidFill>
+                  <a:schemeClr val="tx1">
+                    <a:tint val="75000"/>
+                  </a:schemeClr>
+                </a:solidFill>
+              </a:defRPr>
             </a:lvl9pPr>
           </a:lstStyle>
           <a:p>
             <a:r>
-              <a:rPr lang="en-US"/>
+              <a:rPr lang="en-US" altLang="zh-TW" smtClean="0"/>
               <a:t>Click to edit Master subtitle style</a:t>
             </a:r>
-            <a:endParaRPr lang="en-US" dirty="0"/>
-          </a:p>
-        </p:txBody>
-      </p:sp>
-      <p:sp>
-        <p:nvSpPr>
-          <p:cNvPr id="4" name="Date Placeholder 3"/>
+            <a:endParaRPr lang="zh-TW" altLang="en-US"/>
+          </a:p>
+        </p:txBody>
+      </p:sp>
+      <p:sp>
+        <p:nvSpPr>
+          <p:cNvPr id="4" name="日期版面配置區 3"/>
           <p:cNvSpPr>
             <a:spLocks noGrp="1"/>
           </p:cNvSpPr>
@@ -245,7 +295,7 @@
           <a:p>
             <a:fld id="{1CD63C1F-E00E-4EF7-9877-305BD06F7C4E}" type="datetimeFigureOut">
               <a:rPr lang="en-US" smtClean="0"/>
-              <a:t>1/19/2018</a:t>
+              <a:t>1/8/2019</a:t>
             </a:fld>
             <a:endParaRPr lang="en-US"/>
           </a:p>
@@ -253,7 +303,7 @@
       </p:sp>
       <p:sp>
         <p:nvSpPr>
-          <p:cNvPr id="5" name="Footer Placeholder 4"/>
+          <p:cNvPr id="5" name="頁尾版面配置區 4"/>
           <p:cNvSpPr>
             <a:spLocks noGrp="1"/>
           </p:cNvSpPr>
@@ -272,7 +322,7 @@
       </p:sp>
       <p:sp>
         <p:nvSpPr>
-          <p:cNvPr id="6" name="Slide Number Placeholder 5"/>
+          <p:cNvPr id="6" name="投影片編號版面配置區 5"/>
           <p:cNvSpPr>
             <a:spLocks noGrp="1"/>
           </p:cNvSpPr>
@@ -294,11 +344,6 @@
         </p:txBody>
       </p:sp>
     </p:spTree>
-    <p:extLst>
-      <p:ext uri="{BB962C8B-B14F-4D97-AF65-F5344CB8AC3E}">
-        <p14:creationId xmlns:p14="http://schemas.microsoft.com/office/powerpoint/2010/main" val="1506952231"/>
-      </p:ext>
-    </p:extLst>
   </p:cSld>
   <p:clrMapOvr>
     <a:masterClrMapping/>
@@ -308,7 +353,7 @@
 
 <file path=ppt/slideLayouts/slideLayout10.xml><?xml version="1.0" encoding="utf-8"?>
 <p:sldLayout xmlns:a="http://schemas.openxmlformats.org/drawingml/2006/main" xmlns:r="http://schemas.openxmlformats.org/officeDocument/2006/relationships" xmlns:p="http://schemas.openxmlformats.org/presentationml/2006/main" type="vertTx" preserve="1">
-  <p:cSld name="Title and Vertical Text">
+  <p:cSld name="標題及直排文字">
     <p:spTree>
       <p:nvGrpSpPr>
         <p:cNvPr id="1" name=""/>
@@ -325,7 +370,7 @@
       </p:grpSpPr>
       <p:sp>
         <p:nvSpPr>
-          <p:cNvPr id="2" name="Title 1"/>
+          <p:cNvPr id="2" name="標題 1"/>
           <p:cNvSpPr>
             <a:spLocks noGrp="1"/>
           </p:cNvSpPr>
@@ -339,16 +384,16 @@
           <a:lstStyle/>
           <a:p>
             <a:r>
-              <a:rPr lang="en-US"/>
+              <a:rPr lang="en-US" altLang="zh-TW" smtClean="0"/>
               <a:t>Click to edit Master title style</a:t>
             </a:r>
-            <a:endParaRPr lang="en-US" dirty="0"/>
-          </a:p>
-        </p:txBody>
-      </p:sp>
-      <p:sp>
-        <p:nvSpPr>
-          <p:cNvPr id="3" name="Vertical Text Placeholder 2"/>
+            <a:endParaRPr lang="zh-TW" altLang="en-US"/>
+          </a:p>
+        </p:txBody>
+      </p:sp>
+      <p:sp>
+        <p:nvSpPr>
+          <p:cNvPr id="3" name="直排文字版面配置區 2"/>
           <p:cNvSpPr>
             <a:spLocks noGrp="1"/>
           </p:cNvSpPr>
@@ -363,44 +408,44 @@
           <a:p>
             <a:pPr lvl="0"/>
             <a:r>
-              <a:rPr lang="en-US"/>
-              <a:t>Edit Master text styles</a:t>
+              <a:rPr lang="en-US" altLang="zh-TW" smtClean="0"/>
+              <a:t>Click to edit Master text styles</a:t>
             </a:r>
           </a:p>
           <a:p>
             <a:pPr lvl="1"/>
             <a:r>
-              <a:rPr lang="en-US"/>
+              <a:rPr lang="en-US" altLang="zh-TW" smtClean="0"/>
               <a:t>Second level</a:t>
             </a:r>
           </a:p>
           <a:p>
             <a:pPr lvl="2"/>
             <a:r>
-              <a:rPr lang="en-US"/>
+              <a:rPr lang="en-US" altLang="zh-TW" smtClean="0"/>
               <a:t>Third level</a:t>
             </a:r>
           </a:p>
           <a:p>
             <a:pPr lvl="3"/>
             <a:r>
-              <a:rPr lang="en-US"/>
+              <a:rPr lang="en-US" altLang="zh-TW" smtClean="0"/>
               <a:t>Fourth level</a:t>
             </a:r>
           </a:p>
           <a:p>
             <a:pPr lvl="4"/>
             <a:r>
-              <a:rPr lang="en-US"/>
+              <a:rPr lang="en-US" altLang="zh-TW" smtClean="0"/>
               <a:t>Fifth level</a:t>
             </a:r>
-            <a:endParaRPr lang="en-US" dirty="0"/>
-          </a:p>
-        </p:txBody>
-      </p:sp>
-      <p:sp>
-        <p:nvSpPr>
-          <p:cNvPr id="4" name="Date Placeholder 3"/>
+            <a:endParaRPr lang="zh-TW" altLang="en-US"/>
+          </a:p>
+        </p:txBody>
+      </p:sp>
+      <p:sp>
+        <p:nvSpPr>
+          <p:cNvPr id="4" name="日期版面配置區 3"/>
           <p:cNvSpPr>
             <a:spLocks noGrp="1"/>
           </p:cNvSpPr>
@@ -415,7 +460,7 @@
           <a:p>
             <a:fld id="{1CD63C1F-E00E-4EF7-9877-305BD06F7C4E}" type="datetimeFigureOut">
               <a:rPr lang="en-US" smtClean="0"/>
-              <a:t>1/19/2018</a:t>
+              <a:t>1/8/2019</a:t>
             </a:fld>
             <a:endParaRPr lang="en-US"/>
           </a:p>
@@ -423,7 +468,7 @@
       </p:sp>
       <p:sp>
         <p:nvSpPr>
-          <p:cNvPr id="5" name="Footer Placeholder 4"/>
+          <p:cNvPr id="5" name="頁尾版面配置區 4"/>
           <p:cNvSpPr>
             <a:spLocks noGrp="1"/>
           </p:cNvSpPr>
@@ -442,7 +487,7 @@
       </p:sp>
       <p:sp>
         <p:nvSpPr>
-          <p:cNvPr id="6" name="Slide Number Placeholder 5"/>
+          <p:cNvPr id="6" name="投影片編號版面配置區 5"/>
           <p:cNvSpPr>
             <a:spLocks noGrp="1"/>
           </p:cNvSpPr>
@@ -464,11 +509,6 @@
         </p:txBody>
       </p:sp>
     </p:spTree>
-    <p:extLst>
-      <p:ext uri="{BB962C8B-B14F-4D97-AF65-F5344CB8AC3E}">
-        <p14:creationId xmlns:p14="http://schemas.microsoft.com/office/powerpoint/2010/main" val="614546377"/>
-      </p:ext>
-    </p:extLst>
   </p:cSld>
   <p:clrMapOvr>
     <a:masterClrMapping/>
@@ -478,7 +518,7 @@
 
 <file path=ppt/slideLayouts/slideLayout11.xml><?xml version="1.0" encoding="utf-8"?>
 <p:sldLayout xmlns:a="http://schemas.openxmlformats.org/drawingml/2006/main" xmlns:r="http://schemas.openxmlformats.org/officeDocument/2006/relationships" xmlns:p="http://schemas.openxmlformats.org/presentationml/2006/main" type="vertTitleAndTx" preserve="1">
-  <p:cSld name="Vertical Title and Text">
+  <p:cSld name="直排標題及文字">
     <p:spTree>
       <p:nvGrpSpPr>
         <p:cNvPr id="1" name=""/>
@@ -495,7 +535,7 @@
       </p:grpSpPr>
       <p:sp>
         <p:nvSpPr>
-          <p:cNvPr id="2" name="Vertical Title 1"/>
+          <p:cNvPr id="2" name="直排標題 1"/>
           <p:cNvSpPr>
             <a:spLocks noGrp="1"/>
           </p:cNvSpPr>
@@ -505,8 +545,8 @@
         </p:nvSpPr>
         <p:spPr>
           <a:xfrm>
-            <a:off x="6543675" y="365125"/>
-            <a:ext cx="1971675" cy="5811838"/>
+            <a:off x="6629400" y="274638"/>
+            <a:ext cx="2057400" cy="5851525"/>
           </a:xfrm>
         </p:spPr>
         <p:txBody>
@@ -514,16 +554,16 @@
           <a:lstStyle/>
           <a:p>
             <a:r>
-              <a:rPr lang="en-US"/>
+              <a:rPr lang="en-US" altLang="zh-TW" smtClean="0"/>
               <a:t>Click to edit Master title style</a:t>
             </a:r>
-            <a:endParaRPr lang="en-US" dirty="0"/>
-          </a:p>
-        </p:txBody>
-      </p:sp>
-      <p:sp>
-        <p:nvSpPr>
-          <p:cNvPr id="3" name="Vertical Text Placeholder 2"/>
+            <a:endParaRPr lang="zh-TW" altLang="en-US"/>
+          </a:p>
+        </p:txBody>
+      </p:sp>
+      <p:sp>
+        <p:nvSpPr>
+          <p:cNvPr id="3" name="直排文字版面配置區 2"/>
           <p:cNvSpPr>
             <a:spLocks noGrp="1"/>
           </p:cNvSpPr>
@@ -533,8 +573,8 @@
         </p:nvSpPr>
         <p:spPr>
           <a:xfrm>
-            <a:off x="628650" y="365125"/>
-            <a:ext cx="5800725" cy="5811838"/>
+            <a:off x="457200" y="274638"/>
+            <a:ext cx="6019800" cy="5851525"/>
           </a:xfrm>
         </p:spPr>
         <p:txBody>
@@ -543,44 +583,44 @@
           <a:p>
             <a:pPr lvl="0"/>
             <a:r>
-              <a:rPr lang="en-US"/>
-              <a:t>Edit Master text styles</a:t>
+              <a:rPr lang="en-US" altLang="zh-TW" smtClean="0"/>
+              <a:t>Click to edit Master text styles</a:t>
             </a:r>
           </a:p>
           <a:p>
             <a:pPr lvl="1"/>
             <a:r>
-              <a:rPr lang="en-US"/>
+              <a:rPr lang="en-US" altLang="zh-TW" smtClean="0"/>
               <a:t>Second level</a:t>
             </a:r>
           </a:p>
           <a:p>
             <a:pPr lvl="2"/>
             <a:r>
-              <a:rPr lang="en-US"/>
+              <a:rPr lang="en-US" altLang="zh-TW" smtClean="0"/>
               <a:t>Third level</a:t>
             </a:r>
           </a:p>
           <a:p>
             <a:pPr lvl="3"/>
             <a:r>
-              <a:rPr lang="en-US"/>
+              <a:rPr lang="en-US" altLang="zh-TW" smtClean="0"/>
               <a:t>Fourth level</a:t>
             </a:r>
           </a:p>
           <a:p>
             <a:pPr lvl="4"/>
             <a:r>
-              <a:rPr lang="en-US"/>
+              <a:rPr lang="en-US" altLang="zh-TW" smtClean="0"/>
               <a:t>Fifth level</a:t>
             </a:r>
-            <a:endParaRPr lang="en-US" dirty="0"/>
-          </a:p>
-        </p:txBody>
-      </p:sp>
-      <p:sp>
-        <p:nvSpPr>
-          <p:cNvPr id="4" name="Date Placeholder 3"/>
+            <a:endParaRPr lang="zh-TW" altLang="en-US"/>
+          </a:p>
+        </p:txBody>
+      </p:sp>
+      <p:sp>
+        <p:nvSpPr>
+          <p:cNvPr id="4" name="日期版面配置區 3"/>
           <p:cNvSpPr>
             <a:spLocks noGrp="1"/>
           </p:cNvSpPr>
@@ -595,7 +635,7 @@
           <a:p>
             <a:fld id="{1CD63C1F-E00E-4EF7-9877-305BD06F7C4E}" type="datetimeFigureOut">
               <a:rPr lang="en-US" smtClean="0"/>
-              <a:t>1/19/2018</a:t>
+              <a:t>1/8/2019</a:t>
             </a:fld>
             <a:endParaRPr lang="en-US"/>
           </a:p>
@@ -603,7 +643,7 @@
       </p:sp>
       <p:sp>
         <p:nvSpPr>
-          <p:cNvPr id="5" name="Footer Placeholder 4"/>
+          <p:cNvPr id="5" name="頁尾版面配置區 4"/>
           <p:cNvSpPr>
             <a:spLocks noGrp="1"/>
           </p:cNvSpPr>
@@ -622,7 +662,7 @@
       </p:sp>
       <p:sp>
         <p:nvSpPr>
-          <p:cNvPr id="6" name="Slide Number Placeholder 5"/>
+          <p:cNvPr id="6" name="投影片編號版面配置區 5"/>
           <p:cNvSpPr>
             <a:spLocks noGrp="1"/>
           </p:cNvSpPr>
@@ -644,11 +684,6 @@
         </p:txBody>
       </p:sp>
     </p:spTree>
-    <p:extLst>
-      <p:ext uri="{BB962C8B-B14F-4D97-AF65-F5344CB8AC3E}">
-        <p14:creationId xmlns:p14="http://schemas.microsoft.com/office/powerpoint/2010/main" val="3807485859"/>
-      </p:ext>
-    </p:extLst>
   </p:cSld>
   <p:clrMapOvr>
     <a:masterClrMapping/>
@@ -658,7 +693,7 @@
 
 <file path=ppt/slideLayouts/slideLayout2.xml><?xml version="1.0" encoding="utf-8"?>
 <p:sldLayout xmlns:a="http://schemas.openxmlformats.org/drawingml/2006/main" xmlns:r="http://schemas.openxmlformats.org/officeDocument/2006/relationships" xmlns:p="http://schemas.openxmlformats.org/presentationml/2006/main" type="obj" preserve="1">
-  <p:cSld name="Title and Content">
+  <p:cSld name="標題及物件">
     <p:spTree>
       <p:nvGrpSpPr>
         <p:cNvPr id="1" name=""/>
@@ -675,7 +710,7 @@
       </p:grpSpPr>
       <p:sp>
         <p:nvSpPr>
-          <p:cNvPr id="2" name="Title 1"/>
+          <p:cNvPr id="2" name="標題 1"/>
           <p:cNvSpPr>
             <a:spLocks noGrp="1"/>
           </p:cNvSpPr>
@@ -689,16 +724,16 @@
           <a:lstStyle/>
           <a:p>
             <a:r>
-              <a:rPr lang="en-US"/>
+              <a:rPr lang="en-US" altLang="zh-TW" smtClean="0"/>
               <a:t>Click to edit Master title style</a:t>
             </a:r>
-            <a:endParaRPr lang="en-US" dirty="0"/>
-          </a:p>
-        </p:txBody>
-      </p:sp>
-      <p:sp>
-        <p:nvSpPr>
-          <p:cNvPr id="3" name="Content Placeholder 2"/>
+            <a:endParaRPr lang="zh-TW" altLang="en-US"/>
+          </a:p>
+        </p:txBody>
+      </p:sp>
+      <p:sp>
+        <p:nvSpPr>
+          <p:cNvPr id="3" name="內容版面配置區 2"/>
           <p:cNvSpPr>
             <a:spLocks noGrp="1"/>
           </p:cNvSpPr>
@@ -713,44 +748,44 @@
           <a:p>
             <a:pPr lvl="0"/>
             <a:r>
-              <a:rPr lang="en-US"/>
-              <a:t>Edit Master text styles</a:t>
+              <a:rPr lang="en-US" altLang="zh-TW" smtClean="0"/>
+              <a:t>Click to edit Master text styles</a:t>
             </a:r>
           </a:p>
           <a:p>
             <a:pPr lvl="1"/>
             <a:r>
-              <a:rPr lang="en-US"/>
+              <a:rPr lang="en-US" altLang="zh-TW" smtClean="0"/>
               <a:t>Second level</a:t>
             </a:r>
           </a:p>
           <a:p>
             <a:pPr lvl="2"/>
             <a:r>
-              <a:rPr lang="en-US"/>
+              <a:rPr lang="en-US" altLang="zh-TW" smtClean="0"/>
               <a:t>Third level</a:t>
             </a:r>
           </a:p>
           <a:p>
             <a:pPr lvl="3"/>
             <a:r>
-              <a:rPr lang="en-US"/>
+              <a:rPr lang="en-US" altLang="zh-TW" smtClean="0"/>
               <a:t>Fourth level</a:t>
             </a:r>
           </a:p>
           <a:p>
             <a:pPr lvl="4"/>
             <a:r>
-              <a:rPr lang="en-US"/>
+              <a:rPr lang="en-US" altLang="zh-TW" smtClean="0"/>
               <a:t>Fifth level</a:t>
             </a:r>
-            <a:endParaRPr lang="en-US" dirty="0"/>
-          </a:p>
-        </p:txBody>
-      </p:sp>
-      <p:sp>
-        <p:nvSpPr>
-          <p:cNvPr id="4" name="Date Placeholder 3"/>
+            <a:endParaRPr lang="zh-TW" altLang="en-US"/>
+          </a:p>
+        </p:txBody>
+      </p:sp>
+      <p:sp>
+        <p:nvSpPr>
+          <p:cNvPr id="4" name="日期版面配置區 3"/>
           <p:cNvSpPr>
             <a:spLocks noGrp="1"/>
           </p:cNvSpPr>
@@ -765,7 +800,7 @@
           <a:p>
             <a:fld id="{1CD63C1F-E00E-4EF7-9877-305BD06F7C4E}" type="datetimeFigureOut">
               <a:rPr lang="en-US" smtClean="0"/>
-              <a:t>1/19/2018</a:t>
+              <a:t>1/8/2019</a:t>
             </a:fld>
             <a:endParaRPr lang="en-US"/>
           </a:p>
@@ -773,7 +808,7 @@
       </p:sp>
       <p:sp>
         <p:nvSpPr>
-          <p:cNvPr id="5" name="Footer Placeholder 4"/>
+          <p:cNvPr id="5" name="頁尾版面配置區 4"/>
           <p:cNvSpPr>
             <a:spLocks noGrp="1"/>
           </p:cNvSpPr>
@@ -792,7 +827,7 @@
       </p:sp>
       <p:sp>
         <p:nvSpPr>
-          <p:cNvPr id="6" name="Slide Number Placeholder 5"/>
+          <p:cNvPr id="6" name="投影片編號版面配置區 5"/>
           <p:cNvSpPr>
             <a:spLocks noGrp="1"/>
           </p:cNvSpPr>
@@ -814,11 +849,6 @@
         </p:txBody>
       </p:sp>
     </p:spTree>
-    <p:extLst>
-      <p:ext uri="{BB962C8B-B14F-4D97-AF65-F5344CB8AC3E}">
-        <p14:creationId xmlns:p14="http://schemas.microsoft.com/office/powerpoint/2010/main" val="3441245584"/>
-      </p:ext>
-    </p:extLst>
   </p:cSld>
   <p:clrMapOvr>
     <a:masterClrMapping/>
@@ -828,7 +858,7 @@
 
 <file path=ppt/slideLayouts/slideLayout3.xml><?xml version="1.0" encoding="utf-8"?>
 <p:sldLayout xmlns:a="http://schemas.openxmlformats.org/drawingml/2006/main" xmlns:r="http://schemas.openxmlformats.org/officeDocument/2006/relationships" xmlns:p="http://schemas.openxmlformats.org/presentationml/2006/main" type="secHead" preserve="1">
-  <p:cSld name="Section Header">
+  <p:cSld name="區段標題">
     <p:spTree>
       <p:nvGrpSpPr>
         <p:cNvPr id="1" name=""/>
@@ -845,7 +875,7 @@
       </p:grpSpPr>
       <p:sp>
         <p:nvSpPr>
-          <p:cNvPr id="2" name="Title 1"/>
+          <p:cNvPr id="2" name="標題 1"/>
           <p:cNvSpPr>
             <a:spLocks noGrp="1"/>
           </p:cNvSpPr>
@@ -855,56 +885,58 @@
         </p:nvSpPr>
         <p:spPr>
           <a:xfrm>
-            <a:off x="623888" y="1709739"/>
-            <a:ext cx="7886700" cy="2852737"/>
+            <a:off x="722313" y="4406900"/>
+            <a:ext cx="7772400" cy="1362075"/>
           </a:xfrm>
         </p:spPr>
         <p:txBody>
+          <a:bodyPr anchor="t"/>
+          <a:lstStyle>
+            <a:lvl1pPr algn="l">
+              <a:defRPr sz="4000" b="1" cap="all"/>
+            </a:lvl1pPr>
+          </a:lstStyle>
+          <a:p>
+            <a:r>
+              <a:rPr lang="en-US" altLang="zh-TW" smtClean="0"/>
+              <a:t>Click to edit Master title style</a:t>
+            </a:r>
+            <a:endParaRPr lang="zh-TW" altLang="en-US"/>
+          </a:p>
+        </p:txBody>
+      </p:sp>
+      <p:sp>
+        <p:nvSpPr>
+          <p:cNvPr id="3" name="文字版面配置區 2"/>
+          <p:cNvSpPr>
+            <a:spLocks noGrp="1"/>
+          </p:cNvSpPr>
+          <p:nvPr>
+            <p:ph type="body" idx="1"/>
+          </p:nvPr>
+        </p:nvSpPr>
+        <p:spPr>
+          <a:xfrm>
+            <a:off x="722313" y="2906713"/>
+            <a:ext cx="7772400" cy="1500187"/>
+          </a:xfrm>
+        </p:spPr>
+        <p:txBody>
           <a:bodyPr anchor="b"/>
           <a:lstStyle>
-            <a:lvl1pPr>
-              <a:defRPr sz="6000"/>
-            </a:lvl1pPr>
-          </a:lstStyle>
-          <a:p>
-            <a:r>
-              <a:rPr lang="en-US"/>
-              <a:t>Click to edit Master title style</a:t>
-            </a:r>
-            <a:endParaRPr lang="en-US" dirty="0"/>
-          </a:p>
-        </p:txBody>
-      </p:sp>
-      <p:sp>
-        <p:nvSpPr>
-          <p:cNvPr id="3" name="Text Placeholder 2"/>
-          <p:cNvSpPr>
-            <a:spLocks noGrp="1"/>
-          </p:cNvSpPr>
-          <p:nvPr>
-            <p:ph type="body" idx="1"/>
-          </p:nvPr>
-        </p:nvSpPr>
-        <p:spPr>
-          <a:xfrm>
-            <a:off x="623888" y="4589464"/>
-            <a:ext cx="7886700" cy="1500187"/>
-          </a:xfrm>
-        </p:spPr>
-        <p:txBody>
-          <a:bodyPr/>
-          <a:lstStyle>
             <a:lvl1pPr marL="0" indent="0">
               <a:buNone/>
-              <a:defRPr sz="2400">
+              <a:defRPr sz="2000">
                 <a:solidFill>
-                  <a:schemeClr val="tx1"/>
+                  <a:schemeClr val="tx1">
+                    <a:tint val="75000"/>
+                  </a:schemeClr>
                 </a:solidFill>
               </a:defRPr>
             </a:lvl1pPr>
             <a:lvl2pPr marL="457200" indent="0">
               <a:buNone/>
-              <a:defRPr sz="2000">
+              <a:defRPr sz="1800">
                 <a:solidFill>
                   <a:schemeClr val="tx1">
                     <a:tint val="75000"/>
@@ -914,7 +946,7 @@
             </a:lvl2pPr>
             <a:lvl3pPr marL="914400" indent="0">
               <a:buNone/>
-              <a:defRPr sz="1800">
+              <a:defRPr sz="1600">
                 <a:solidFill>
                   <a:schemeClr val="tx1">
                     <a:tint val="75000"/>
@@ -924,7 +956,7 @@
             </a:lvl3pPr>
             <a:lvl4pPr marL="1371600" indent="0">
               <a:buNone/>
-              <a:defRPr sz="1600">
+              <a:defRPr sz="1400">
                 <a:solidFill>
                   <a:schemeClr val="tx1">
                     <a:tint val="75000"/>
@@ -934,7 +966,7 @@
             </a:lvl4pPr>
             <a:lvl5pPr marL="1828800" indent="0">
               <a:buNone/>
-              <a:defRPr sz="1600">
+              <a:defRPr sz="1400">
                 <a:solidFill>
                   <a:schemeClr val="tx1">
                     <a:tint val="75000"/>
@@ -944,7 +976,7 @@
             </a:lvl5pPr>
             <a:lvl6pPr marL="2286000" indent="0">
               <a:buNone/>
-              <a:defRPr sz="1600">
+              <a:defRPr sz="1400">
                 <a:solidFill>
                   <a:schemeClr val="tx1">
                     <a:tint val="75000"/>
@@ -954,7 +986,7 @@
             </a:lvl6pPr>
             <a:lvl7pPr marL="2743200" indent="0">
               <a:buNone/>
-              <a:defRPr sz="1600">
+              <a:defRPr sz="1400">
                 <a:solidFill>
                   <a:schemeClr val="tx1">
                     <a:tint val="75000"/>
@@ -964,7 +996,7 @@
             </a:lvl7pPr>
             <a:lvl8pPr marL="3200400" indent="0">
               <a:buNone/>
-              <a:defRPr sz="1600">
+              <a:defRPr sz="1400">
                 <a:solidFill>
                   <a:schemeClr val="tx1">
                     <a:tint val="75000"/>
@@ -974,7 +1006,7 @@
             </a:lvl8pPr>
             <a:lvl9pPr marL="3657600" indent="0">
               <a:buNone/>
-              <a:defRPr sz="1600">
+              <a:defRPr sz="1400">
                 <a:solidFill>
                   <a:schemeClr val="tx1">
                     <a:tint val="75000"/>
@@ -986,15 +1018,15 @@
           <a:p>
             <a:pPr lvl="0"/>
             <a:r>
-              <a:rPr lang="en-US"/>
-              <a:t>Edit Master text styles</a:t>
-            </a:r>
-          </a:p>
-        </p:txBody>
-      </p:sp>
-      <p:sp>
-        <p:nvSpPr>
-          <p:cNvPr id="4" name="Date Placeholder 3"/>
+              <a:rPr lang="en-US" altLang="zh-TW" smtClean="0"/>
+              <a:t>Click to edit Master text styles</a:t>
+            </a:r>
+          </a:p>
+        </p:txBody>
+      </p:sp>
+      <p:sp>
+        <p:nvSpPr>
+          <p:cNvPr id="4" name="日期版面配置區 3"/>
           <p:cNvSpPr>
             <a:spLocks noGrp="1"/>
           </p:cNvSpPr>
@@ -1009,7 +1041,7 @@
           <a:p>
             <a:fld id="{1CD63C1F-E00E-4EF7-9877-305BD06F7C4E}" type="datetimeFigureOut">
               <a:rPr lang="en-US" smtClean="0"/>
-              <a:t>1/19/2018</a:t>
+              <a:t>1/8/2019</a:t>
             </a:fld>
             <a:endParaRPr lang="en-US"/>
           </a:p>
@@ -1017,7 +1049,7 @@
       </p:sp>
       <p:sp>
         <p:nvSpPr>
-          <p:cNvPr id="5" name="Footer Placeholder 4"/>
+          <p:cNvPr id="5" name="頁尾版面配置區 4"/>
           <p:cNvSpPr>
             <a:spLocks noGrp="1"/>
           </p:cNvSpPr>
@@ -1036,7 +1068,7 @@
       </p:sp>
       <p:sp>
         <p:nvSpPr>
-          <p:cNvPr id="6" name="Slide Number Placeholder 5"/>
+          <p:cNvPr id="6" name="投影片編號版面配置區 5"/>
           <p:cNvSpPr>
             <a:spLocks noGrp="1"/>
           </p:cNvSpPr>
@@ -1058,11 +1090,6 @@
         </p:txBody>
       </p:sp>
     </p:spTree>
-    <p:extLst>
-      <p:ext uri="{BB962C8B-B14F-4D97-AF65-F5344CB8AC3E}">
-        <p14:creationId xmlns:p14="http://schemas.microsoft.com/office/powerpoint/2010/main" val="2216108222"/>
-      </p:ext>
-    </p:extLst>
   </p:cSld>
   <p:clrMapOvr>
     <a:masterClrMapping/>
@@ -1072,7 +1099,7 @@
 
 <file path=ppt/slideLayouts/slideLayout4.xml><?xml version="1.0" encoding="utf-8"?>
 <p:sldLayout xmlns:a="http://schemas.openxmlformats.org/drawingml/2006/main" xmlns:r="http://schemas.openxmlformats.org/officeDocument/2006/relationships" xmlns:p="http://schemas.openxmlformats.org/presentationml/2006/main" type="twoObj" preserve="1">
-  <p:cSld name="Two Content">
+  <p:cSld name="兩項物件">
     <p:spTree>
       <p:nvGrpSpPr>
         <p:cNvPr id="1" name=""/>
@@ -1089,7 +1116,7 @@
       </p:grpSpPr>
       <p:sp>
         <p:nvSpPr>
-          <p:cNvPr id="2" name="Title 1"/>
+          <p:cNvPr id="2" name="標題 1"/>
           <p:cNvSpPr>
             <a:spLocks noGrp="1"/>
           </p:cNvSpPr>
@@ -1103,16 +1130,16 @@
           <a:lstStyle/>
           <a:p>
             <a:r>
-              <a:rPr lang="en-US"/>
+              <a:rPr lang="en-US" altLang="zh-TW" smtClean="0"/>
               <a:t>Click to edit Master title style</a:t>
             </a:r>
-            <a:endParaRPr lang="en-US" dirty="0"/>
-          </a:p>
-        </p:txBody>
-      </p:sp>
-      <p:sp>
-        <p:nvSpPr>
-          <p:cNvPr id="3" name="Content Placeholder 2"/>
+            <a:endParaRPr lang="zh-TW" altLang="en-US"/>
+          </a:p>
+        </p:txBody>
+      </p:sp>
+      <p:sp>
+        <p:nvSpPr>
+          <p:cNvPr id="3" name="內容版面配置區 2"/>
           <p:cNvSpPr>
             <a:spLocks noGrp="1"/>
           </p:cNvSpPr>
@@ -1122,54 +1149,82 @@
         </p:nvSpPr>
         <p:spPr>
           <a:xfrm>
-            <a:off x="628650" y="1825625"/>
-            <a:ext cx="3886200" cy="4351338"/>
+            <a:off x="457200" y="1600200"/>
+            <a:ext cx="4038600" cy="4525963"/>
           </a:xfrm>
         </p:spPr>
         <p:txBody>
           <a:bodyPr/>
-          <a:lstStyle/>
+          <a:lstStyle>
+            <a:lvl1pPr>
+              <a:defRPr sz="2800"/>
+            </a:lvl1pPr>
+            <a:lvl2pPr>
+              <a:defRPr sz="2400"/>
+            </a:lvl2pPr>
+            <a:lvl3pPr>
+              <a:defRPr sz="2000"/>
+            </a:lvl3pPr>
+            <a:lvl4pPr>
+              <a:defRPr sz="1800"/>
+            </a:lvl4pPr>
+            <a:lvl5pPr>
+              <a:defRPr sz="1800"/>
+            </a:lvl5pPr>
+            <a:lvl6pPr>
+              <a:defRPr sz="1800"/>
+            </a:lvl6pPr>
+            <a:lvl7pPr>
+              <a:defRPr sz="1800"/>
+            </a:lvl7pPr>
+            <a:lvl8pPr>
+              <a:defRPr sz="1800"/>
+            </a:lvl8pPr>
+            <a:lvl9pPr>
+              <a:defRPr sz="1800"/>
+            </a:lvl9pPr>
+          </a:lstStyle>
           <a:p>
             <a:pPr lvl="0"/>
             <a:r>
-              <a:rPr lang="en-US"/>
-              <a:t>Edit Master text styles</a:t>
+              <a:rPr lang="en-US" altLang="zh-TW" smtClean="0"/>
+              <a:t>Click to edit Master text styles</a:t>
             </a:r>
           </a:p>
           <a:p>
             <a:pPr lvl="1"/>
             <a:r>
-              <a:rPr lang="en-US"/>
+              <a:rPr lang="en-US" altLang="zh-TW" smtClean="0"/>
               <a:t>Second level</a:t>
             </a:r>
           </a:p>
           <a:p>
             <a:pPr lvl="2"/>
             <a:r>
-              <a:rPr lang="en-US"/>
+              <a:rPr lang="en-US" altLang="zh-TW" smtClean="0"/>
               <a:t>Third level</a:t>
             </a:r>
           </a:p>
           <a:p>
             <a:pPr lvl="3"/>
             <a:r>
-              <a:rPr lang="en-US"/>
+              <a:rPr lang="en-US" altLang="zh-TW" smtClean="0"/>
               <a:t>Fourth level</a:t>
             </a:r>
           </a:p>
           <a:p>
             <a:pPr lvl="4"/>
             <a:r>
-              <a:rPr lang="en-US"/>
+              <a:rPr lang="en-US" altLang="zh-TW" smtClean="0"/>
               <a:t>Fifth level</a:t>
             </a:r>
-            <a:endParaRPr lang="en-US" dirty="0"/>
-          </a:p>
-        </p:txBody>
-      </p:sp>
-      <p:sp>
-        <p:nvSpPr>
-          <p:cNvPr id="4" name="Content Placeholder 3"/>
+            <a:endParaRPr lang="zh-TW" altLang="en-US"/>
+          </a:p>
+        </p:txBody>
+      </p:sp>
+      <p:sp>
+        <p:nvSpPr>
+          <p:cNvPr id="4" name="內容版面配置區 3"/>
           <p:cNvSpPr>
             <a:spLocks noGrp="1"/>
           </p:cNvSpPr>
@@ -1179,54 +1234,82 @@
         </p:nvSpPr>
         <p:spPr>
           <a:xfrm>
-            <a:off x="4629150" y="1825625"/>
-            <a:ext cx="3886200" cy="4351338"/>
+            <a:off x="4648200" y="1600200"/>
+            <a:ext cx="4038600" cy="4525963"/>
           </a:xfrm>
         </p:spPr>
         <p:txBody>
           <a:bodyPr/>
-          <a:lstStyle/>
+          <a:lstStyle>
+            <a:lvl1pPr>
+              <a:defRPr sz="2800"/>
+            </a:lvl1pPr>
+            <a:lvl2pPr>
+              <a:defRPr sz="2400"/>
+            </a:lvl2pPr>
+            <a:lvl3pPr>
+              <a:defRPr sz="2000"/>
+            </a:lvl3pPr>
+            <a:lvl4pPr>
+              <a:defRPr sz="1800"/>
+            </a:lvl4pPr>
+            <a:lvl5pPr>
+              <a:defRPr sz="1800"/>
+            </a:lvl5pPr>
+            <a:lvl6pPr>
+              <a:defRPr sz="1800"/>
+            </a:lvl6pPr>
+            <a:lvl7pPr>
+              <a:defRPr sz="1800"/>
+            </a:lvl7pPr>
+            <a:lvl8pPr>
+              <a:defRPr sz="1800"/>
+            </a:lvl8pPr>
+            <a:lvl9pPr>
+              <a:defRPr sz="1800"/>
+            </a:lvl9pPr>
+          </a:lstStyle>
           <a:p>
             <a:pPr lvl="0"/>
             <a:r>
-              <a:rPr lang="en-US"/>
-              <a:t>Edit Master text styles</a:t>
+              <a:rPr lang="en-US" altLang="zh-TW" smtClean="0"/>
+              <a:t>Click to edit Master text styles</a:t>
             </a:r>
           </a:p>
           <a:p>
             <a:pPr lvl="1"/>
             <a:r>
-              <a:rPr lang="en-US"/>
+              <a:rPr lang="en-US" altLang="zh-TW" smtClean="0"/>
               <a:t>Second level</a:t>
             </a:r>
           </a:p>
           <a:p>
             <a:pPr lvl="2"/>
             <a:r>
-              <a:rPr lang="en-US"/>
+              <a:rPr lang="en-US" altLang="zh-TW" smtClean="0"/>
               <a:t>Third level</a:t>
             </a:r>
           </a:p>
           <a:p>
             <a:pPr lvl="3"/>
             <a:r>
-              <a:rPr lang="en-US"/>
+              <a:rPr lang="en-US" altLang="zh-TW" smtClean="0"/>
               <a:t>Fourth level</a:t>
             </a:r>
           </a:p>
           <a:p>
             <a:pPr lvl="4"/>
             <a:r>
-              <a:rPr lang="en-US"/>
+              <a:rPr lang="en-US" altLang="zh-TW" smtClean="0"/>
               <a:t>Fifth level</a:t>
             </a:r>
-            <a:endParaRPr lang="en-US" dirty="0"/>
-          </a:p>
-        </p:txBody>
-      </p:sp>
-      <p:sp>
-        <p:nvSpPr>
-          <p:cNvPr id="5" name="Date Placeholder 4"/>
+            <a:endParaRPr lang="zh-TW" altLang="en-US"/>
+          </a:p>
+        </p:txBody>
+      </p:sp>
+      <p:sp>
+        <p:nvSpPr>
+          <p:cNvPr id="5" name="日期版面配置區 4"/>
           <p:cNvSpPr>
             <a:spLocks noGrp="1"/>
           </p:cNvSpPr>
@@ -1241,7 +1324,7 @@
           <a:p>
             <a:fld id="{1CD63C1F-E00E-4EF7-9877-305BD06F7C4E}" type="datetimeFigureOut">
               <a:rPr lang="en-US" smtClean="0"/>
-              <a:t>1/19/2018</a:t>
+              <a:t>1/8/2019</a:t>
             </a:fld>
             <a:endParaRPr lang="en-US"/>
           </a:p>
@@ -1249,7 +1332,7 @@
       </p:sp>
       <p:sp>
         <p:nvSpPr>
-          <p:cNvPr id="6" name="Footer Placeholder 5"/>
+          <p:cNvPr id="6" name="頁尾版面配置區 5"/>
           <p:cNvSpPr>
             <a:spLocks noGrp="1"/>
           </p:cNvSpPr>
@@ -1268,7 +1351,7 @@
       </p:sp>
       <p:sp>
         <p:nvSpPr>
-          <p:cNvPr id="7" name="Slide Number Placeholder 6"/>
+          <p:cNvPr id="7" name="投影片編號版面配置區 6"/>
           <p:cNvSpPr>
             <a:spLocks noGrp="1"/>
           </p:cNvSpPr>
@@ -1290,11 +1373,6 @@
         </p:txBody>
       </p:sp>
     </p:spTree>
-    <p:extLst>
-      <p:ext uri="{BB962C8B-B14F-4D97-AF65-F5344CB8AC3E}">
-        <p14:creationId xmlns:p14="http://schemas.microsoft.com/office/powerpoint/2010/main" val="971925378"/>
-      </p:ext>
-    </p:extLst>
   </p:cSld>
   <p:clrMapOvr>
     <a:masterClrMapping/>
@@ -1304,7 +1382,7 @@
 
 <file path=ppt/slideLayouts/slideLayout5.xml><?xml version="1.0" encoding="utf-8"?>
 <p:sldLayout xmlns:a="http://schemas.openxmlformats.org/drawingml/2006/main" xmlns:r="http://schemas.openxmlformats.org/officeDocument/2006/relationships" xmlns:p="http://schemas.openxmlformats.org/presentationml/2006/main" type="twoTxTwoObj" preserve="1">
-  <p:cSld name="Comparison">
+  <p:cSld name="比對">
     <p:spTree>
       <p:nvGrpSpPr>
         <p:cNvPr id="1" name=""/>
@@ -1321,46 +1399,45 @@
       </p:grpSpPr>
       <p:sp>
         <p:nvSpPr>
-          <p:cNvPr id="2" name="Title 1"/>
+          <p:cNvPr id="2" name="標題 1"/>
           <p:cNvSpPr>
             <a:spLocks noGrp="1"/>
           </p:cNvSpPr>
           <p:nvPr>
             <p:ph type="title"/>
+          </p:nvPr>
+        </p:nvSpPr>
+        <p:spPr/>
+        <p:txBody>
+          <a:bodyPr/>
+          <a:lstStyle>
+            <a:lvl1pPr>
+              <a:defRPr/>
+            </a:lvl1pPr>
+          </a:lstStyle>
+          <a:p>
+            <a:r>
+              <a:rPr lang="en-US" altLang="zh-TW" smtClean="0"/>
+              <a:t>Click to edit Master title style</a:t>
+            </a:r>
+            <a:endParaRPr lang="zh-TW" altLang="en-US"/>
+          </a:p>
+        </p:txBody>
+      </p:sp>
+      <p:sp>
+        <p:nvSpPr>
+          <p:cNvPr id="3" name="文字版面配置區 2"/>
+          <p:cNvSpPr>
+            <a:spLocks noGrp="1"/>
+          </p:cNvSpPr>
+          <p:nvPr>
+            <p:ph type="body" idx="1"/>
           </p:nvPr>
         </p:nvSpPr>
         <p:spPr>
           <a:xfrm>
-            <a:off x="629841" y="365126"/>
-            <a:ext cx="7886700" cy="1325563"/>
-          </a:xfrm>
-        </p:spPr>
-        <p:txBody>
-          <a:bodyPr/>
-          <a:lstStyle/>
-          <a:p>
-            <a:r>
-              <a:rPr lang="en-US"/>
-              <a:t>Click to edit Master title style</a:t>
-            </a:r>
-            <a:endParaRPr lang="en-US" dirty="0"/>
-          </a:p>
-        </p:txBody>
-      </p:sp>
-      <p:sp>
-        <p:nvSpPr>
-          <p:cNvPr id="3" name="Text Placeholder 2"/>
-          <p:cNvSpPr>
-            <a:spLocks noGrp="1"/>
-          </p:cNvSpPr>
-          <p:nvPr>
-            <p:ph type="body" idx="1"/>
-          </p:nvPr>
-        </p:nvSpPr>
-        <p:spPr>
-          <a:xfrm>
-            <a:off x="629842" y="1681163"/>
-            <a:ext cx="3868340" cy="823912"/>
+            <a:off x="457200" y="1535113"/>
+            <a:ext cx="4040188" cy="639762"/>
           </a:xfrm>
         </p:spPr>
         <p:txBody>
@@ -1406,15 +1483,15 @@
           <a:p>
             <a:pPr lvl="0"/>
             <a:r>
-              <a:rPr lang="en-US"/>
-              <a:t>Edit Master text styles</a:t>
-            </a:r>
-          </a:p>
-        </p:txBody>
-      </p:sp>
-      <p:sp>
-        <p:nvSpPr>
-          <p:cNvPr id="4" name="Content Placeholder 3"/>
+              <a:rPr lang="en-US" altLang="zh-TW" smtClean="0"/>
+              <a:t>Click to edit Master text styles</a:t>
+            </a:r>
+          </a:p>
+        </p:txBody>
+      </p:sp>
+      <p:sp>
+        <p:nvSpPr>
+          <p:cNvPr id="4" name="內容版面配置區 3"/>
           <p:cNvSpPr>
             <a:spLocks noGrp="1"/>
           </p:cNvSpPr>
@@ -1424,54 +1501,82 @@
         </p:nvSpPr>
         <p:spPr>
           <a:xfrm>
-            <a:off x="629842" y="2505075"/>
-            <a:ext cx="3868340" cy="3684588"/>
+            <a:off x="457200" y="2174875"/>
+            <a:ext cx="4040188" cy="3951288"/>
           </a:xfrm>
         </p:spPr>
         <p:txBody>
           <a:bodyPr/>
-          <a:lstStyle/>
+          <a:lstStyle>
+            <a:lvl1pPr>
+              <a:defRPr sz="2400"/>
+            </a:lvl1pPr>
+            <a:lvl2pPr>
+              <a:defRPr sz="2000"/>
+            </a:lvl2pPr>
+            <a:lvl3pPr>
+              <a:defRPr sz="1800"/>
+            </a:lvl3pPr>
+            <a:lvl4pPr>
+              <a:defRPr sz="1600"/>
+            </a:lvl4pPr>
+            <a:lvl5pPr>
+              <a:defRPr sz="1600"/>
+            </a:lvl5pPr>
+            <a:lvl6pPr>
+              <a:defRPr sz="1600"/>
+            </a:lvl6pPr>
+            <a:lvl7pPr>
+              <a:defRPr sz="1600"/>
+            </a:lvl7pPr>
+            <a:lvl8pPr>
+              <a:defRPr sz="1600"/>
+            </a:lvl8pPr>
+            <a:lvl9pPr>
+              <a:defRPr sz="1600"/>
+            </a:lvl9pPr>
+          </a:lstStyle>
           <a:p>
             <a:pPr lvl="0"/>
             <a:r>
-              <a:rPr lang="en-US"/>
-              <a:t>Edit Master text styles</a:t>
+              <a:rPr lang="en-US" altLang="zh-TW" smtClean="0"/>
+              <a:t>Click to edit Master text styles</a:t>
             </a:r>
           </a:p>
           <a:p>
             <a:pPr lvl="1"/>
             <a:r>
-              <a:rPr lang="en-US"/>
+              <a:rPr lang="en-US" altLang="zh-TW" smtClean="0"/>
               <a:t>Second level</a:t>
             </a:r>
           </a:p>
           <a:p>
             <a:pPr lvl="2"/>
             <a:r>
-              <a:rPr lang="en-US"/>
+              <a:rPr lang="en-US" altLang="zh-TW" smtClean="0"/>
               <a:t>Third level</a:t>
             </a:r>
           </a:p>
           <a:p>
             <a:pPr lvl="3"/>
             <a:r>
-              <a:rPr lang="en-US"/>
+              <a:rPr lang="en-US" altLang="zh-TW" smtClean="0"/>
               <a:t>Fourth level</a:t>
             </a:r>
           </a:p>
           <a:p>
             <a:pPr lvl="4"/>
             <a:r>
-              <a:rPr lang="en-US"/>
+              <a:rPr lang="en-US" altLang="zh-TW" smtClean="0"/>
               <a:t>Fifth level</a:t>
             </a:r>
-            <a:endParaRPr lang="en-US" dirty="0"/>
-          </a:p>
-        </p:txBody>
-      </p:sp>
-      <p:sp>
-        <p:nvSpPr>
-          <p:cNvPr id="5" name="Text Placeholder 4"/>
+            <a:endParaRPr lang="zh-TW" altLang="en-US"/>
+          </a:p>
+        </p:txBody>
+      </p:sp>
+      <p:sp>
+        <p:nvSpPr>
+          <p:cNvPr id="5" name="文字版面配置區 4"/>
           <p:cNvSpPr>
             <a:spLocks noGrp="1"/>
           </p:cNvSpPr>
@@ -1481,8 +1586,8 @@
         </p:nvSpPr>
         <p:spPr>
           <a:xfrm>
-            <a:off x="4629150" y="1681163"/>
-            <a:ext cx="3887391" cy="823912"/>
+            <a:off x="4645025" y="1535113"/>
+            <a:ext cx="4041775" cy="639762"/>
           </a:xfrm>
         </p:spPr>
         <p:txBody>
@@ -1528,15 +1633,15 @@
           <a:p>
             <a:pPr lvl="0"/>
             <a:r>
-              <a:rPr lang="en-US"/>
-              <a:t>Edit Master text styles</a:t>
-            </a:r>
-          </a:p>
-        </p:txBody>
-      </p:sp>
-      <p:sp>
-        <p:nvSpPr>
-          <p:cNvPr id="6" name="Content Placeholder 5"/>
+              <a:rPr lang="en-US" altLang="zh-TW" smtClean="0"/>
+              <a:t>Click to edit Master text styles</a:t>
+            </a:r>
+          </a:p>
+        </p:txBody>
+      </p:sp>
+      <p:sp>
+        <p:nvSpPr>
+          <p:cNvPr id="6" name="內容版面配置區 5"/>
           <p:cNvSpPr>
             <a:spLocks noGrp="1"/>
           </p:cNvSpPr>
@@ -1546,54 +1651,82 @@
         </p:nvSpPr>
         <p:spPr>
           <a:xfrm>
-            <a:off x="4629150" y="2505075"/>
-            <a:ext cx="3887391" cy="3684588"/>
+            <a:off x="4645025" y="2174875"/>
+            <a:ext cx="4041775" cy="3951288"/>
           </a:xfrm>
         </p:spPr>
         <p:txBody>
           <a:bodyPr/>
-          <a:lstStyle/>
+          <a:lstStyle>
+            <a:lvl1pPr>
+              <a:defRPr sz="2400"/>
+            </a:lvl1pPr>
+            <a:lvl2pPr>
+              <a:defRPr sz="2000"/>
+            </a:lvl2pPr>
+            <a:lvl3pPr>
+              <a:defRPr sz="1800"/>
+            </a:lvl3pPr>
+            <a:lvl4pPr>
+              <a:defRPr sz="1600"/>
+            </a:lvl4pPr>
+            <a:lvl5pPr>
+              <a:defRPr sz="1600"/>
+            </a:lvl5pPr>
+            <a:lvl6pPr>
+              <a:defRPr sz="1600"/>
+            </a:lvl6pPr>
+            <a:lvl7pPr>
+              <a:defRPr sz="1600"/>
+            </a:lvl7pPr>
+            <a:lvl8pPr>
+              <a:defRPr sz="1600"/>
+            </a:lvl8pPr>
+            <a:lvl9pPr>
+              <a:defRPr sz="1600"/>
+            </a:lvl9pPr>
+          </a:lstStyle>
           <a:p>
             <a:pPr lvl="0"/>
             <a:r>
-              <a:rPr lang="en-US"/>
-              <a:t>Edit Master text styles</a:t>
+              <a:rPr lang="en-US" altLang="zh-TW" smtClean="0"/>
+              <a:t>Click to edit Master text styles</a:t>
             </a:r>
           </a:p>
           <a:p>
             <a:pPr lvl="1"/>
             <a:r>
-              <a:rPr lang="en-US"/>
+              <a:rPr lang="en-US" altLang="zh-TW" smtClean="0"/>
               <a:t>Second level</a:t>
             </a:r>
           </a:p>
           <a:p>
             <a:pPr lvl="2"/>
             <a:r>
-              <a:rPr lang="en-US"/>
+              <a:rPr lang="en-US" altLang="zh-TW" smtClean="0"/>
               <a:t>Third level</a:t>
             </a:r>
           </a:p>
           <a:p>
             <a:pPr lvl="3"/>
             <a:r>
-              <a:rPr lang="en-US"/>
+              <a:rPr lang="en-US" altLang="zh-TW" smtClean="0"/>
               <a:t>Fourth level</a:t>
             </a:r>
           </a:p>
           <a:p>
             <a:pPr lvl="4"/>
             <a:r>
-              <a:rPr lang="en-US"/>
+              <a:rPr lang="en-US" altLang="zh-TW" smtClean="0"/>
               <a:t>Fifth level</a:t>
             </a:r>
-            <a:endParaRPr lang="en-US" dirty="0"/>
-          </a:p>
-        </p:txBody>
-      </p:sp>
-      <p:sp>
-        <p:nvSpPr>
-          <p:cNvPr id="7" name="Date Placeholder 6"/>
+            <a:endParaRPr lang="zh-TW" altLang="en-US"/>
+          </a:p>
+        </p:txBody>
+      </p:sp>
+      <p:sp>
+        <p:nvSpPr>
+          <p:cNvPr id="7" name="日期版面配置區 6"/>
           <p:cNvSpPr>
             <a:spLocks noGrp="1"/>
           </p:cNvSpPr>
@@ -1608,7 +1741,7 @@
           <a:p>
             <a:fld id="{1CD63C1F-E00E-4EF7-9877-305BD06F7C4E}" type="datetimeFigureOut">
               <a:rPr lang="en-US" smtClean="0"/>
-              <a:t>1/19/2018</a:t>
+              <a:t>1/8/2019</a:t>
             </a:fld>
             <a:endParaRPr lang="en-US"/>
           </a:p>
@@ -1616,7 +1749,7 @@
       </p:sp>
       <p:sp>
         <p:nvSpPr>
-          <p:cNvPr id="8" name="Footer Placeholder 7"/>
+          <p:cNvPr id="8" name="頁尾版面配置區 7"/>
           <p:cNvSpPr>
             <a:spLocks noGrp="1"/>
           </p:cNvSpPr>
@@ -1635,7 +1768,7 @@
       </p:sp>
       <p:sp>
         <p:nvSpPr>
-          <p:cNvPr id="9" name="Slide Number Placeholder 8"/>
+          <p:cNvPr id="9" name="投影片編號版面配置區 8"/>
           <p:cNvSpPr>
             <a:spLocks noGrp="1"/>
           </p:cNvSpPr>
@@ -1657,11 +1790,6 @@
         </p:txBody>
       </p:sp>
     </p:spTree>
-    <p:extLst>
-      <p:ext uri="{BB962C8B-B14F-4D97-AF65-F5344CB8AC3E}">
-        <p14:creationId xmlns:p14="http://schemas.microsoft.com/office/powerpoint/2010/main" val="3553833807"/>
-      </p:ext>
-    </p:extLst>
   </p:cSld>
   <p:clrMapOvr>
     <a:masterClrMapping/>
@@ -1671,7 +1799,7 @@
 
 <file path=ppt/slideLayouts/slideLayout6.xml><?xml version="1.0" encoding="utf-8"?>
 <p:sldLayout xmlns:a="http://schemas.openxmlformats.org/drawingml/2006/main" xmlns:r="http://schemas.openxmlformats.org/officeDocument/2006/relationships" xmlns:p="http://schemas.openxmlformats.org/presentationml/2006/main" type="titleOnly" preserve="1">
-  <p:cSld name="Title Only">
+  <p:cSld name="只有標題">
     <p:spTree>
       <p:nvGrpSpPr>
         <p:cNvPr id="1" name=""/>
@@ -1688,7 +1816,7 @@
       </p:grpSpPr>
       <p:sp>
         <p:nvSpPr>
-          <p:cNvPr id="2" name="Title 1"/>
+          <p:cNvPr id="2" name="標題 1"/>
           <p:cNvSpPr>
             <a:spLocks noGrp="1"/>
           </p:cNvSpPr>
@@ -1702,16 +1830,16 @@
           <a:lstStyle/>
           <a:p>
             <a:r>
-              <a:rPr lang="en-US"/>
+              <a:rPr lang="en-US" altLang="zh-TW" smtClean="0"/>
               <a:t>Click to edit Master title style</a:t>
             </a:r>
-            <a:endParaRPr lang="en-US" dirty="0"/>
-          </a:p>
-        </p:txBody>
-      </p:sp>
-      <p:sp>
-        <p:nvSpPr>
-          <p:cNvPr id="3" name="Date Placeholder 2"/>
+            <a:endParaRPr lang="zh-TW" altLang="en-US"/>
+          </a:p>
+        </p:txBody>
+      </p:sp>
+      <p:sp>
+        <p:nvSpPr>
+          <p:cNvPr id="3" name="日期版面配置區 2"/>
           <p:cNvSpPr>
             <a:spLocks noGrp="1"/>
           </p:cNvSpPr>
@@ -1726,7 +1854,7 @@
           <a:p>
             <a:fld id="{1CD63C1F-E00E-4EF7-9877-305BD06F7C4E}" type="datetimeFigureOut">
               <a:rPr lang="en-US" smtClean="0"/>
-              <a:t>1/19/2018</a:t>
+              <a:t>1/8/2019</a:t>
             </a:fld>
             <a:endParaRPr lang="en-US"/>
           </a:p>
@@ -1734,7 +1862,7 @@
       </p:sp>
       <p:sp>
         <p:nvSpPr>
-          <p:cNvPr id="4" name="Footer Placeholder 3"/>
+          <p:cNvPr id="4" name="頁尾版面配置區 3"/>
           <p:cNvSpPr>
             <a:spLocks noGrp="1"/>
           </p:cNvSpPr>
@@ -1753,7 +1881,7 @@
       </p:sp>
       <p:sp>
         <p:nvSpPr>
-          <p:cNvPr id="5" name="Slide Number Placeholder 4"/>
+          <p:cNvPr id="5" name="投影片編號版面配置區 4"/>
           <p:cNvSpPr>
             <a:spLocks noGrp="1"/>
           </p:cNvSpPr>
@@ -1775,11 +1903,6 @@
         </p:txBody>
       </p:sp>
     </p:spTree>
-    <p:extLst>
-      <p:ext uri="{BB962C8B-B14F-4D97-AF65-F5344CB8AC3E}">
-        <p14:creationId xmlns:p14="http://schemas.microsoft.com/office/powerpoint/2010/main" val="3217682638"/>
-      </p:ext>
-    </p:extLst>
   </p:cSld>
   <p:clrMapOvr>
     <a:masterClrMapping/>
@@ -1789,7 +1912,7 @@
 
 <file path=ppt/slideLayouts/slideLayout7.xml><?xml version="1.0" encoding="utf-8"?>
 <p:sldLayout xmlns:a="http://schemas.openxmlformats.org/drawingml/2006/main" xmlns:r="http://schemas.openxmlformats.org/officeDocument/2006/relationships" xmlns:p="http://schemas.openxmlformats.org/presentationml/2006/main" type="blank" preserve="1">
-  <p:cSld name="Blank">
+  <p:cSld name="空白">
     <p:spTree>
       <p:nvGrpSpPr>
         <p:cNvPr id="1" name=""/>
@@ -1806,7 +1929,7 @@
       </p:grpSpPr>
       <p:sp>
         <p:nvSpPr>
-          <p:cNvPr id="2" name="Date Placeholder 1"/>
+          <p:cNvPr id="2" name="日期版面配置區 1"/>
           <p:cNvSpPr>
             <a:spLocks noGrp="1"/>
           </p:cNvSpPr>
@@ -1821,7 +1944,7 @@
           <a:p>
             <a:fld id="{1CD63C1F-E00E-4EF7-9877-305BD06F7C4E}" type="datetimeFigureOut">
               <a:rPr lang="en-US" smtClean="0"/>
-              <a:t>1/19/2018</a:t>
+              <a:t>1/8/2019</a:t>
             </a:fld>
             <a:endParaRPr lang="en-US"/>
           </a:p>
@@ -1829,7 +1952,7 @@
       </p:sp>
       <p:sp>
         <p:nvSpPr>
-          <p:cNvPr id="3" name="Footer Placeholder 2"/>
+          <p:cNvPr id="3" name="頁尾版面配置區 2"/>
           <p:cNvSpPr>
             <a:spLocks noGrp="1"/>
           </p:cNvSpPr>
@@ -1848,7 +1971,7 @@
       </p:sp>
       <p:sp>
         <p:nvSpPr>
-          <p:cNvPr id="4" name="Slide Number Placeholder 3"/>
+          <p:cNvPr id="4" name="投影片編號版面配置區 3"/>
           <p:cNvSpPr>
             <a:spLocks noGrp="1"/>
           </p:cNvSpPr>
@@ -1870,11 +1993,6 @@
         </p:txBody>
       </p:sp>
     </p:spTree>
-    <p:extLst>
-      <p:ext uri="{BB962C8B-B14F-4D97-AF65-F5344CB8AC3E}">
-        <p14:creationId xmlns:p14="http://schemas.microsoft.com/office/powerpoint/2010/main" val="2845509279"/>
-      </p:ext>
-    </p:extLst>
   </p:cSld>
   <p:clrMapOvr>
     <a:masterClrMapping/>
@@ -1884,7 +2002,7 @@
 
 <file path=ppt/slideLayouts/slideLayout8.xml><?xml version="1.0" encoding="utf-8"?>
 <p:sldLayout xmlns:a="http://schemas.openxmlformats.org/drawingml/2006/main" xmlns:r="http://schemas.openxmlformats.org/officeDocument/2006/relationships" xmlns:p="http://schemas.openxmlformats.org/presentationml/2006/main" type="objTx" preserve="1">
-  <p:cSld name="Content with Caption">
+  <p:cSld name="含標題的內容">
     <p:spTree>
       <p:nvGrpSpPr>
         <p:cNvPr id="1" name=""/>
@@ -1901,7 +2019,7 @@
       </p:grpSpPr>
       <p:sp>
         <p:nvSpPr>
-          <p:cNvPr id="2" name="Title 1"/>
+          <p:cNvPr id="2" name="標題 1"/>
           <p:cNvSpPr>
             <a:spLocks noGrp="1"/>
           </p:cNvSpPr>
@@ -1911,29 +2029,29 @@
         </p:nvSpPr>
         <p:spPr>
           <a:xfrm>
-            <a:off x="629841" y="457200"/>
-            <a:ext cx="2949178" cy="1600200"/>
+            <a:off x="457200" y="273050"/>
+            <a:ext cx="3008313" cy="1162050"/>
           </a:xfrm>
         </p:spPr>
         <p:txBody>
           <a:bodyPr anchor="b"/>
           <a:lstStyle>
-            <a:lvl1pPr>
-              <a:defRPr sz="3200"/>
+            <a:lvl1pPr algn="l">
+              <a:defRPr sz="2000" b="1"/>
             </a:lvl1pPr>
           </a:lstStyle>
           <a:p>
             <a:r>
-              <a:rPr lang="en-US"/>
+              <a:rPr lang="en-US" altLang="zh-TW" smtClean="0"/>
               <a:t>Click to edit Master title style</a:t>
             </a:r>
-            <a:endParaRPr lang="en-US" dirty="0"/>
-          </a:p>
-        </p:txBody>
-      </p:sp>
-      <p:sp>
-        <p:nvSpPr>
-          <p:cNvPr id="3" name="Content Placeholder 2"/>
+            <a:endParaRPr lang="zh-TW" altLang="en-US"/>
+          </a:p>
+        </p:txBody>
+      </p:sp>
+      <p:sp>
+        <p:nvSpPr>
+          <p:cNvPr id="3" name="內容版面配置區 2"/>
           <p:cNvSpPr>
             <a:spLocks noGrp="1"/>
           </p:cNvSpPr>
@@ -1943,8 +2061,8 @@
         </p:nvSpPr>
         <p:spPr>
           <a:xfrm>
-            <a:off x="3887391" y="987426"/>
-            <a:ext cx="4629150" cy="4873625"/>
+            <a:off x="3575050" y="273050"/>
+            <a:ext cx="5111750" cy="5853113"/>
           </a:xfrm>
         </p:spPr>
         <p:txBody>
@@ -1981,44 +2099,44 @@
           <a:p>
             <a:pPr lvl="0"/>
             <a:r>
-              <a:rPr lang="en-US"/>
-              <a:t>Edit Master text styles</a:t>
+              <a:rPr lang="en-US" altLang="zh-TW" smtClean="0"/>
+              <a:t>Click to edit Master text styles</a:t>
             </a:r>
           </a:p>
           <a:p>
             <a:pPr lvl="1"/>
             <a:r>
-              <a:rPr lang="en-US"/>
+              <a:rPr lang="en-US" altLang="zh-TW" smtClean="0"/>
               <a:t>Second level</a:t>
             </a:r>
           </a:p>
           <a:p>
             <a:pPr lvl="2"/>
             <a:r>
-              <a:rPr lang="en-US"/>
+              <a:rPr lang="en-US" altLang="zh-TW" smtClean="0"/>
               <a:t>Third level</a:t>
             </a:r>
           </a:p>
           <a:p>
             <a:pPr lvl="3"/>
             <a:r>
-              <a:rPr lang="en-US"/>
+              <a:rPr lang="en-US" altLang="zh-TW" smtClean="0"/>
               <a:t>Fourth level</a:t>
             </a:r>
           </a:p>
           <a:p>
             <a:pPr lvl="4"/>
             <a:r>
-              <a:rPr lang="en-US"/>
+              <a:rPr lang="en-US" altLang="zh-TW" smtClean="0"/>
               <a:t>Fifth level</a:t>
             </a:r>
-            <a:endParaRPr lang="en-US" dirty="0"/>
-          </a:p>
-        </p:txBody>
-      </p:sp>
-      <p:sp>
-        <p:nvSpPr>
-          <p:cNvPr id="4" name="Text Placeholder 3"/>
+            <a:endParaRPr lang="zh-TW" altLang="en-US"/>
+          </a:p>
+        </p:txBody>
+      </p:sp>
+      <p:sp>
+        <p:nvSpPr>
+          <p:cNvPr id="4" name="文字版面配置區 3"/>
           <p:cNvSpPr>
             <a:spLocks noGrp="1"/>
           </p:cNvSpPr>
@@ -2028,8 +2146,8 @@
         </p:nvSpPr>
         <p:spPr>
           <a:xfrm>
-            <a:off x="629841" y="2057400"/>
-            <a:ext cx="2949178" cy="3811588"/>
+            <a:off x="457200" y="1435100"/>
+            <a:ext cx="3008313" cy="4691063"/>
           </a:xfrm>
         </p:spPr>
         <p:txBody>
@@ -2037,53 +2155,53 @@
           <a:lstStyle>
             <a:lvl1pPr marL="0" indent="0">
               <a:buNone/>
-              <a:defRPr sz="1600"/>
+              <a:defRPr sz="1400"/>
             </a:lvl1pPr>
             <a:lvl2pPr marL="457200" indent="0">
               <a:buNone/>
-              <a:defRPr sz="1400"/>
+              <a:defRPr sz="1200"/>
             </a:lvl2pPr>
             <a:lvl3pPr marL="914400" indent="0">
               <a:buNone/>
-              <a:defRPr sz="1200"/>
+              <a:defRPr sz="1000"/>
             </a:lvl3pPr>
             <a:lvl4pPr marL="1371600" indent="0">
               <a:buNone/>
-              <a:defRPr sz="1000"/>
+              <a:defRPr sz="900"/>
             </a:lvl4pPr>
             <a:lvl5pPr marL="1828800" indent="0">
               <a:buNone/>
-              <a:defRPr sz="1000"/>
+              <a:defRPr sz="900"/>
             </a:lvl5pPr>
             <a:lvl6pPr marL="2286000" indent="0">
               <a:buNone/>
-              <a:defRPr sz="1000"/>
+              <a:defRPr sz="900"/>
             </a:lvl6pPr>
             <a:lvl7pPr marL="2743200" indent="0">
               <a:buNone/>
-              <a:defRPr sz="1000"/>
+              <a:defRPr sz="900"/>
             </a:lvl7pPr>
             <a:lvl8pPr marL="3200400" indent="0">
               <a:buNone/>
-              <a:defRPr sz="1000"/>
+              <a:defRPr sz="900"/>
             </a:lvl8pPr>
             <a:lvl9pPr marL="3657600" indent="0">
               <a:buNone/>
-              <a:defRPr sz="1000"/>
+              <a:defRPr sz="900"/>
             </a:lvl9pPr>
           </a:lstStyle>
           <a:p>
             <a:pPr lvl="0"/>
             <a:r>
-              <a:rPr lang="en-US"/>
-              <a:t>Edit Master text styles</a:t>
-            </a:r>
-          </a:p>
-        </p:txBody>
-      </p:sp>
-      <p:sp>
-        <p:nvSpPr>
-          <p:cNvPr id="5" name="Date Placeholder 4"/>
+              <a:rPr lang="en-US" altLang="zh-TW" smtClean="0"/>
+              <a:t>Click to edit Master text styles</a:t>
+            </a:r>
+          </a:p>
+        </p:txBody>
+      </p:sp>
+      <p:sp>
+        <p:nvSpPr>
+          <p:cNvPr id="5" name="日期版面配置區 4"/>
           <p:cNvSpPr>
             <a:spLocks noGrp="1"/>
           </p:cNvSpPr>
@@ -2098,7 +2216,7 @@
           <a:p>
             <a:fld id="{1CD63C1F-E00E-4EF7-9877-305BD06F7C4E}" type="datetimeFigureOut">
               <a:rPr lang="en-US" smtClean="0"/>
-              <a:t>1/19/2018</a:t>
+              <a:t>1/8/2019</a:t>
             </a:fld>
             <a:endParaRPr lang="en-US"/>
           </a:p>
@@ -2106,7 +2224,7 @@
       </p:sp>
       <p:sp>
         <p:nvSpPr>
-          <p:cNvPr id="6" name="Footer Placeholder 5"/>
+          <p:cNvPr id="6" name="頁尾版面配置區 5"/>
           <p:cNvSpPr>
             <a:spLocks noGrp="1"/>
           </p:cNvSpPr>
@@ -2125,7 +2243,7 @@
       </p:sp>
       <p:sp>
         <p:nvSpPr>
-          <p:cNvPr id="7" name="Slide Number Placeholder 6"/>
+          <p:cNvPr id="7" name="投影片編號版面配置區 6"/>
           <p:cNvSpPr>
             <a:spLocks noGrp="1"/>
           </p:cNvSpPr>
@@ -2147,11 +2265,6 @@
         </p:txBody>
       </p:sp>
     </p:spTree>
-    <p:extLst>
-      <p:ext uri="{BB962C8B-B14F-4D97-AF65-F5344CB8AC3E}">
-        <p14:creationId xmlns:p14="http://schemas.microsoft.com/office/powerpoint/2010/main" val="3922533705"/>
-      </p:ext>
-    </p:extLst>
   </p:cSld>
   <p:clrMapOvr>
     <a:masterClrMapping/>
@@ -2161,7 +2274,7 @@
 
 <file path=ppt/slideLayouts/slideLayout9.xml><?xml version="1.0" encoding="utf-8"?>
 <p:sldLayout xmlns:a="http://schemas.openxmlformats.org/drawingml/2006/main" xmlns:r="http://schemas.openxmlformats.org/officeDocument/2006/relationships" xmlns:p="http://schemas.openxmlformats.org/presentationml/2006/main" type="picTx" preserve="1">
-  <p:cSld name="Picture with Caption">
+  <p:cSld name="含標題的圖片">
     <p:spTree>
       <p:nvGrpSpPr>
         <p:cNvPr id="1" name=""/>
@@ -2178,7 +2291,7 @@
       </p:grpSpPr>
       <p:sp>
         <p:nvSpPr>
-          <p:cNvPr id="2" name="Title 1"/>
+          <p:cNvPr id="2" name="標題 1"/>
           <p:cNvSpPr>
             <a:spLocks noGrp="1"/>
           </p:cNvSpPr>
@@ -2188,31 +2301,31 @@
         </p:nvSpPr>
         <p:spPr>
           <a:xfrm>
-            <a:off x="629841" y="457200"/>
-            <a:ext cx="2949178" cy="1600200"/>
+            <a:off x="1792288" y="4800600"/>
+            <a:ext cx="5486400" cy="566738"/>
           </a:xfrm>
         </p:spPr>
         <p:txBody>
           <a:bodyPr anchor="b"/>
           <a:lstStyle>
-            <a:lvl1pPr>
-              <a:defRPr sz="3200"/>
+            <a:lvl1pPr algn="l">
+              <a:defRPr sz="2000" b="1"/>
             </a:lvl1pPr>
           </a:lstStyle>
           <a:p>
             <a:r>
-              <a:rPr lang="en-US"/>
+              <a:rPr lang="en-US" altLang="zh-TW" smtClean="0"/>
               <a:t>Click to edit Master title style</a:t>
             </a:r>
-            <a:endParaRPr lang="en-US" dirty="0"/>
-          </a:p>
-        </p:txBody>
-      </p:sp>
-      <p:sp>
-        <p:nvSpPr>
-          <p:cNvPr id="3" name="Picture Placeholder 2"/>
-          <p:cNvSpPr>
-            <a:spLocks noGrp="1" noChangeAspect="1"/>
+            <a:endParaRPr lang="zh-TW" altLang="en-US"/>
+          </a:p>
+        </p:txBody>
+      </p:sp>
+      <p:sp>
+        <p:nvSpPr>
+          <p:cNvPr id="3" name="圖片版面配置區 2"/>
+          <p:cNvSpPr>
+            <a:spLocks noGrp="1"/>
           </p:cNvSpPr>
           <p:nvPr>
             <p:ph type="pic" idx="1"/>
@@ -2220,12 +2333,12 @@
         </p:nvSpPr>
         <p:spPr>
           <a:xfrm>
-            <a:off x="3887391" y="987426"/>
-            <a:ext cx="4629150" cy="4873625"/>
+            <a:off x="1792288" y="612775"/>
+            <a:ext cx="5486400" cy="4114800"/>
           </a:xfrm>
         </p:spPr>
         <p:txBody>
-          <a:bodyPr anchor="t"/>
+          <a:bodyPr/>
           <a:lstStyle>
             <a:lvl1pPr marL="0" indent="0">
               <a:buNone/>
@@ -2266,16 +2379,16 @@
           </a:lstStyle>
           <a:p>
             <a:r>
-              <a:rPr lang="en-US"/>
+              <a:rPr lang="en-US" altLang="zh-TW" smtClean="0"/>
               <a:t>Click icon to add picture</a:t>
             </a:r>
-            <a:endParaRPr lang="en-US" dirty="0"/>
-          </a:p>
-        </p:txBody>
-      </p:sp>
-      <p:sp>
-        <p:nvSpPr>
-          <p:cNvPr id="4" name="Text Placeholder 3"/>
+            <a:endParaRPr lang="zh-TW" altLang="en-US"/>
+          </a:p>
+        </p:txBody>
+      </p:sp>
+      <p:sp>
+        <p:nvSpPr>
+          <p:cNvPr id="4" name="文字版面配置區 3"/>
           <p:cNvSpPr>
             <a:spLocks noGrp="1"/>
           </p:cNvSpPr>
@@ -2285,8 +2398,8 @@
         </p:nvSpPr>
         <p:spPr>
           <a:xfrm>
-            <a:off x="629841" y="2057400"/>
-            <a:ext cx="2949178" cy="3811588"/>
+            <a:off x="1792288" y="5367338"/>
+            <a:ext cx="5486400" cy="804862"/>
           </a:xfrm>
         </p:spPr>
         <p:txBody>
@@ -2294,53 +2407,53 @@
           <a:lstStyle>
             <a:lvl1pPr marL="0" indent="0">
               <a:buNone/>
-              <a:defRPr sz="1600"/>
+              <a:defRPr sz="1400"/>
             </a:lvl1pPr>
             <a:lvl2pPr marL="457200" indent="0">
               <a:buNone/>
-              <a:defRPr sz="1400"/>
+              <a:defRPr sz="1200"/>
             </a:lvl2pPr>
             <a:lvl3pPr marL="914400" indent="0">
               <a:buNone/>
-              <a:defRPr sz="1200"/>
+              <a:defRPr sz="1000"/>
             </a:lvl3pPr>
             <a:lvl4pPr marL="1371600" indent="0">
               <a:buNone/>
-              <a:defRPr sz="1000"/>
+              <a:defRPr sz="900"/>
             </a:lvl4pPr>
             <a:lvl5pPr marL="1828800" indent="0">
               <a:buNone/>
-              <a:defRPr sz="1000"/>
+              <a:defRPr sz="900"/>
             </a:lvl5pPr>
             <a:lvl6pPr marL="2286000" indent="0">
               <a:buNone/>
-              <a:defRPr sz="1000"/>
+              <a:defRPr sz="900"/>
             </a:lvl6pPr>
             <a:lvl7pPr marL="2743200" indent="0">
               <a:buNone/>
-              <a:defRPr sz="1000"/>
+              <a:defRPr sz="900"/>
             </a:lvl7pPr>
             <a:lvl8pPr marL="3200400" indent="0">
               <a:buNone/>
-              <a:defRPr sz="1000"/>
+              <a:defRPr sz="900"/>
             </a:lvl8pPr>
             <a:lvl9pPr marL="3657600" indent="0">
               <a:buNone/>
-              <a:defRPr sz="1000"/>
+              <a:defRPr sz="900"/>
             </a:lvl9pPr>
           </a:lstStyle>
           <a:p>
             <a:pPr lvl="0"/>
             <a:r>
-              <a:rPr lang="en-US"/>
-              <a:t>Edit Master text styles</a:t>
-            </a:r>
-          </a:p>
-        </p:txBody>
-      </p:sp>
-      <p:sp>
-        <p:nvSpPr>
-          <p:cNvPr id="5" name="Date Placeholder 4"/>
+              <a:rPr lang="en-US" altLang="zh-TW" smtClean="0"/>
+              <a:t>Click to edit Master text styles</a:t>
+            </a:r>
+          </a:p>
+        </p:txBody>
+      </p:sp>
+      <p:sp>
+        <p:nvSpPr>
+          <p:cNvPr id="5" name="日期版面配置區 4"/>
           <p:cNvSpPr>
             <a:spLocks noGrp="1"/>
           </p:cNvSpPr>
@@ -2355,7 +2468,7 @@
           <a:p>
             <a:fld id="{1CD63C1F-E00E-4EF7-9877-305BD06F7C4E}" type="datetimeFigureOut">
               <a:rPr lang="en-US" smtClean="0"/>
-              <a:t>1/19/2018</a:t>
+              <a:t>1/8/2019</a:t>
             </a:fld>
             <a:endParaRPr lang="en-US"/>
           </a:p>
@@ -2363,7 +2476,7 @@
       </p:sp>
       <p:sp>
         <p:nvSpPr>
-          <p:cNvPr id="6" name="Footer Placeholder 5"/>
+          <p:cNvPr id="6" name="頁尾版面配置區 5"/>
           <p:cNvSpPr>
             <a:spLocks noGrp="1"/>
           </p:cNvSpPr>
@@ -2382,7 +2495,7 @@
       </p:sp>
       <p:sp>
         <p:nvSpPr>
-          <p:cNvPr id="7" name="Slide Number Placeholder 6"/>
+          <p:cNvPr id="7" name="投影片編號版面配置區 6"/>
           <p:cNvSpPr>
             <a:spLocks noGrp="1"/>
           </p:cNvSpPr>
@@ -2404,11 +2517,6 @@
         </p:txBody>
       </p:sp>
     </p:spTree>
-    <p:extLst>
-      <p:ext uri="{BB962C8B-B14F-4D97-AF65-F5344CB8AC3E}">
-        <p14:creationId xmlns:p14="http://schemas.microsoft.com/office/powerpoint/2010/main" val="3696783184"/>
-      </p:ext>
-    </p:extLst>
   </p:cSld>
   <p:clrMapOvr>
     <a:masterClrMapping/>
@@ -2420,9 +2528,14 @@
 <p:sldMaster xmlns:a="http://schemas.openxmlformats.org/drawingml/2006/main" xmlns:r="http://schemas.openxmlformats.org/officeDocument/2006/relationships" xmlns:p="http://schemas.openxmlformats.org/presentationml/2006/main">
   <p:cSld>
     <p:bg>
-      <p:bgRef idx="1001">
-        <a:schemeClr val="bg1"/>
-      </p:bgRef>
+      <p:bgPr>
+        <a:blipFill dpi="0" rotWithShape="1">
+          <a:blip r:embed="rId13"/>
+          <a:srcRect/>
+          <a:tile tx="0" ty="0" sx="100000" sy="100000" flip="none" algn="tl"/>
+        </a:blipFill>
+        <a:effectLst/>
+      </p:bgPr>
     </p:bg>
     <p:spTree>
       <p:nvGrpSpPr>
@@ -2440,7 +2553,7 @@
       </p:grpSpPr>
       <p:sp>
         <p:nvSpPr>
-          <p:cNvPr id="2" name="Title Placeholder 1"/>
+          <p:cNvPr id="2" name="標題版面配置區 1"/>
           <p:cNvSpPr>
             <a:spLocks noGrp="1"/>
           </p:cNvSpPr>
@@ -2450,8 +2563,8 @@
         </p:nvSpPr>
         <p:spPr>
           <a:xfrm>
-            <a:off x="628650" y="365126"/>
-            <a:ext cx="7886700" cy="1325563"/>
+            <a:off x="457200" y="274638"/>
+            <a:ext cx="8229600" cy="1143000"/>
           </a:xfrm>
           <a:prstGeom prst="rect">
             <a:avLst/>
@@ -2464,16 +2577,16 @@
           <a:lstStyle/>
           <a:p>
             <a:r>
-              <a:rPr lang="en-US"/>
-              <a:t>Click to edit Master title style</a:t>
-            </a:r>
-            <a:endParaRPr lang="en-US" dirty="0"/>
-          </a:p>
-        </p:txBody>
-      </p:sp>
-      <p:sp>
-        <p:nvSpPr>
-          <p:cNvPr id="3" name="Text Placeholder 2"/>
+              <a:rPr lang="zh-TW" altLang="en-US" smtClean="0"/>
+              <a:t>按一下以編輯母片標題樣式</a:t>
+            </a:r>
+            <a:endParaRPr lang="zh-TW" altLang="en-US"/>
+          </a:p>
+        </p:txBody>
+      </p:sp>
+      <p:sp>
+        <p:nvSpPr>
+          <p:cNvPr id="3" name="文字版面配置區 2"/>
           <p:cNvSpPr>
             <a:spLocks noGrp="1"/>
           </p:cNvSpPr>
@@ -2483,8 +2596,8 @@
         </p:nvSpPr>
         <p:spPr>
           <a:xfrm>
-            <a:off x="628650" y="1825625"/>
-            <a:ext cx="7886700" cy="4351338"/>
+            <a:off x="457200" y="1600200"/>
+            <a:ext cx="8229600" cy="4525963"/>
           </a:xfrm>
           <a:prstGeom prst="rect">
             <a:avLst/>
@@ -2498,44 +2611,44 @@
           <a:p>
             <a:pPr lvl="0"/>
             <a:r>
-              <a:rPr lang="en-US"/>
-              <a:t>Edit Master text styles</a:t>
+              <a:rPr lang="zh-TW" altLang="en-US" smtClean="0"/>
+              <a:t>按一下以編輯母片文字樣式</a:t>
             </a:r>
           </a:p>
           <a:p>
             <a:pPr lvl="1"/>
             <a:r>
-              <a:rPr lang="en-US"/>
-              <a:t>Second level</a:t>
+              <a:rPr lang="zh-TW" altLang="en-US" smtClean="0"/>
+              <a:t>第二層</a:t>
             </a:r>
           </a:p>
           <a:p>
             <a:pPr lvl="2"/>
             <a:r>
-              <a:rPr lang="en-US"/>
-              <a:t>Third level</a:t>
+              <a:rPr lang="zh-TW" altLang="en-US" smtClean="0"/>
+              <a:t>第三層</a:t>
             </a:r>
           </a:p>
           <a:p>
             <a:pPr lvl="3"/>
             <a:r>
-              <a:rPr lang="en-US"/>
-              <a:t>Fourth level</a:t>
+              <a:rPr lang="zh-TW" altLang="en-US" smtClean="0"/>
+              <a:t>第四層</a:t>
             </a:r>
           </a:p>
           <a:p>
             <a:pPr lvl="4"/>
             <a:r>
-              <a:rPr lang="en-US"/>
-              <a:t>Fifth level</a:t>
-            </a:r>
-            <a:endParaRPr lang="en-US" dirty="0"/>
-          </a:p>
-        </p:txBody>
-      </p:sp>
-      <p:sp>
-        <p:nvSpPr>
-          <p:cNvPr id="4" name="Date Placeholder 3"/>
+              <a:rPr lang="zh-TW" altLang="en-US" smtClean="0"/>
+              <a:t>第五層</a:t>
+            </a:r>
+            <a:endParaRPr lang="zh-TW" altLang="en-US"/>
+          </a:p>
+        </p:txBody>
+      </p:sp>
+      <p:sp>
+        <p:nvSpPr>
+          <p:cNvPr id="4" name="日期版面配置區 3"/>
           <p:cNvSpPr>
             <a:spLocks noGrp="1"/>
           </p:cNvSpPr>
@@ -2545,8 +2658,8 @@
         </p:nvSpPr>
         <p:spPr>
           <a:xfrm>
-            <a:off x="628650" y="6356351"/>
-            <a:ext cx="2057400" cy="365125"/>
+            <a:off x="457200" y="6356350"/>
+            <a:ext cx="2133600" cy="365125"/>
           </a:xfrm>
           <a:prstGeom prst="rect">
             <a:avLst/>
@@ -2568,7 +2681,7 @@
           <a:p>
             <a:fld id="{1CD63C1F-E00E-4EF7-9877-305BD06F7C4E}" type="datetimeFigureOut">
               <a:rPr lang="en-US" smtClean="0"/>
-              <a:t>1/19/2018</a:t>
+              <a:t>1/8/2019</a:t>
             </a:fld>
             <a:endParaRPr lang="en-US"/>
           </a:p>
@@ -2576,7 +2689,7 @@
       </p:sp>
       <p:sp>
         <p:nvSpPr>
-          <p:cNvPr id="5" name="Footer Placeholder 4"/>
+          <p:cNvPr id="5" name="頁尾版面配置區 4"/>
           <p:cNvSpPr>
             <a:spLocks noGrp="1"/>
           </p:cNvSpPr>
@@ -2586,8 +2699,8 @@
         </p:nvSpPr>
         <p:spPr>
           <a:xfrm>
-            <a:off x="3028950" y="6356351"/>
-            <a:ext cx="3086100" cy="365125"/>
+            <a:off x="3124200" y="6356350"/>
+            <a:ext cx="2895600" cy="365125"/>
           </a:xfrm>
           <a:prstGeom prst="rect">
             <a:avLst/>
@@ -2613,7 +2726,7 @@
       </p:sp>
       <p:sp>
         <p:nvSpPr>
-          <p:cNvPr id="6" name="Slide Number Placeholder 5"/>
+          <p:cNvPr id="6" name="投影片編號版面配置區 5"/>
           <p:cNvSpPr>
             <a:spLocks noGrp="1"/>
           </p:cNvSpPr>
@@ -2623,8 +2736,8 @@
         </p:nvSpPr>
         <p:spPr>
           <a:xfrm>
-            <a:off x="6457950" y="6356351"/>
-            <a:ext cx="2057400" cy="365125"/>
+            <a:off x="6553200" y="6356350"/>
+            <a:ext cx="2133600" cy="365125"/>
           </a:xfrm>
           <a:prstGeom prst="rect">
             <a:avLst/>
@@ -2653,32 +2766,24 @@
         </p:txBody>
       </p:sp>
     </p:spTree>
-    <p:extLst>
-      <p:ext uri="{BB962C8B-B14F-4D97-AF65-F5344CB8AC3E}">
-        <p14:creationId xmlns:p14="http://schemas.microsoft.com/office/powerpoint/2010/main" val="1520797959"/>
-      </p:ext>
-    </p:extLst>
   </p:cSld>
   <p:clrMap bg1="lt1" tx1="dk1" bg2="lt2" tx2="dk2" accent1="accent1" accent2="accent2" accent3="accent3" accent4="accent4" accent5="accent5" accent6="accent6" hlink="hlink" folHlink="folHlink"/>
   <p:sldLayoutIdLst>
-    <p:sldLayoutId id="2147483661" r:id="rId1"/>
-    <p:sldLayoutId id="2147483662" r:id="rId2"/>
-    <p:sldLayoutId id="2147483663" r:id="rId3"/>
-    <p:sldLayoutId id="2147483664" r:id="rId4"/>
-    <p:sldLayoutId id="2147483665" r:id="rId5"/>
-    <p:sldLayoutId id="2147483666" r:id="rId6"/>
-    <p:sldLayoutId id="2147483667" r:id="rId7"/>
-    <p:sldLayoutId id="2147483668" r:id="rId8"/>
-    <p:sldLayoutId id="2147483669" r:id="rId9"/>
-    <p:sldLayoutId id="2147483670" r:id="rId10"/>
-    <p:sldLayoutId id="2147483671" r:id="rId11"/>
+    <p:sldLayoutId id="2147483673" r:id="rId1"/>
+    <p:sldLayoutId id="2147483674" r:id="rId2"/>
+    <p:sldLayoutId id="2147483675" r:id="rId3"/>
+    <p:sldLayoutId id="2147483676" r:id="rId4"/>
+    <p:sldLayoutId id="2147483677" r:id="rId5"/>
+    <p:sldLayoutId id="2147483678" r:id="rId6"/>
+    <p:sldLayoutId id="2147483679" r:id="rId7"/>
+    <p:sldLayoutId id="2147483680" r:id="rId8"/>
+    <p:sldLayoutId id="2147483681" r:id="rId9"/>
+    <p:sldLayoutId id="2147483682" r:id="rId10"/>
+    <p:sldLayoutId id="2147483683" r:id="rId11"/>
   </p:sldLayoutIdLst>
   <p:txStyles>
     <p:titleStyle>
-      <a:lvl1pPr algn="l" defTabSz="914400" rtl="0" eaLnBrk="1" latinLnBrk="0" hangingPunct="1">
-        <a:lnSpc>
-          <a:spcPct val="90000"/>
-        </a:lnSpc>
+      <a:lvl1pPr algn="ctr" defTabSz="914400" rtl="0" eaLnBrk="1" latinLnBrk="0" hangingPunct="1">
         <a:spcBef>
           <a:spcPct val="0"/>
         </a:spcBef>
@@ -2694,15 +2799,27 @@
       </a:lvl1pPr>
     </p:titleStyle>
     <p:bodyStyle>
-      <a:lvl1pPr marL="228600" indent="-228600" algn="l" defTabSz="914400" rtl="0" eaLnBrk="1" latinLnBrk="0" hangingPunct="1">
-        <a:lnSpc>
-          <a:spcPct val="90000"/>
-        </a:lnSpc>
+      <a:lvl1pPr marL="342900" indent="-342900" algn="l" defTabSz="914400" rtl="0" eaLnBrk="1" latinLnBrk="0" hangingPunct="1">
         <a:spcBef>
-          <a:spcPts val="1000"/>
+          <a:spcPct val="20000"/>
         </a:spcBef>
-        <a:buFont typeface="Arial" panose="020B0604020202020204" pitchFamily="34" charset="0"/>
+        <a:buFont typeface="Arial" pitchFamily="34" charset="0"/>
         <a:buChar char="•"/>
+        <a:defRPr sz="3200" kern="1200">
+          <a:solidFill>
+            <a:schemeClr val="tx1"/>
+          </a:solidFill>
+          <a:latin typeface="+mn-lt"/>
+          <a:ea typeface="+mn-ea"/>
+          <a:cs typeface="+mn-cs"/>
+        </a:defRPr>
+      </a:lvl1pPr>
+      <a:lvl2pPr marL="742950" indent="-285750" algn="l" defTabSz="914400" rtl="0" eaLnBrk="1" latinLnBrk="0" hangingPunct="1">
+        <a:spcBef>
+          <a:spcPct val="20000"/>
+        </a:spcBef>
+        <a:buFont typeface="Arial" pitchFamily="34" charset="0"/>
+        <a:buChar char="–"/>
         <a:defRPr sz="2800" kern="1200">
           <a:solidFill>
             <a:schemeClr val="tx1"/>
@@ -2711,15 +2828,12 @@
           <a:ea typeface="+mn-ea"/>
           <a:cs typeface="+mn-cs"/>
         </a:defRPr>
-      </a:lvl1pPr>
-      <a:lvl2pPr marL="685800" indent="-228600" algn="l" defTabSz="914400" rtl="0" eaLnBrk="1" latinLnBrk="0" hangingPunct="1">
-        <a:lnSpc>
-          <a:spcPct val="90000"/>
-        </a:lnSpc>
+      </a:lvl2pPr>
+      <a:lvl3pPr marL="1143000" indent="-228600" algn="l" defTabSz="914400" rtl="0" eaLnBrk="1" latinLnBrk="0" hangingPunct="1">
         <a:spcBef>
-          <a:spcPts val="500"/>
+          <a:spcPct val="20000"/>
         </a:spcBef>
-        <a:buFont typeface="Arial" panose="020B0604020202020204" pitchFamily="34" charset="0"/>
+        <a:buFont typeface="Arial" pitchFamily="34" charset="0"/>
         <a:buChar char="•"/>
         <a:defRPr sz="2400" kern="1200">
           <a:solidFill>
@@ -2729,15 +2843,42 @@
           <a:ea typeface="+mn-ea"/>
           <a:cs typeface="+mn-cs"/>
         </a:defRPr>
-      </a:lvl2pPr>
-      <a:lvl3pPr marL="1143000" indent="-228600" algn="l" defTabSz="914400" rtl="0" eaLnBrk="1" latinLnBrk="0" hangingPunct="1">
-        <a:lnSpc>
-          <a:spcPct val="90000"/>
-        </a:lnSpc>
+      </a:lvl3pPr>
+      <a:lvl4pPr marL="1600200" indent="-228600" algn="l" defTabSz="914400" rtl="0" eaLnBrk="1" latinLnBrk="0" hangingPunct="1">
         <a:spcBef>
-          <a:spcPts val="500"/>
+          <a:spcPct val="20000"/>
         </a:spcBef>
-        <a:buFont typeface="Arial" panose="020B0604020202020204" pitchFamily="34" charset="0"/>
+        <a:buFont typeface="Arial" pitchFamily="34" charset="0"/>
+        <a:buChar char="–"/>
+        <a:defRPr sz="2000" kern="1200">
+          <a:solidFill>
+            <a:schemeClr val="tx1"/>
+          </a:solidFill>
+          <a:latin typeface="+mn-lt"/>
+          <a:ea typeface="+mn-ea"/>
+          <a:cs typeface="+mn-cs"/>
+        </a:defRPr>
+      </a:lvl4pPr>
+      <a:lvl5pPr marL="2057400" indent="-228600" algn="l" defTabSz="914400" rtl="0" eaLnBrk="1" latinLnBrk="0" hangingPunct="1">
+        <a:spcBef>
+          <a:spcPct val="20000"/>
+        </a:spcBef>
+        <a:buFont typeface="Arial" pitchFamily="34" charset="0"/>
+        <a:buChar char="»"/>
+        <a:defRPr sz="2000" kern="1200">
+          <a:solidFill>
+            <a:schemeClr val="tx1"/>
+          </a:solidFill>
+          <a:latin typeface="+mn-lt"/>
+          <a:ea typeface="+mn-ea"/>
+          <a:cs typeface="+mn-cs"/>
+        </a:defRPr>
+      </a:lvl5pPr>
+      <a:lvl6pPr marL="2514600" indent="-228600" algn="l" defTabSz="914400" rtl="0" eaLnBrk="1" latinLnBrk="0" hangingPunct="1">
+        <a:spcBef>
+          <a:spcPct val="20000"/>
+        </a:spcBef>
+        <a:buFont typeface="Arial" pitchFamily="34" charset="0"/>
         <a:buChar char="•"/>
         <a:defRPr sz="2000" kern="1200">
           <a:solidFill>
@@ -2747,71 +2888,14 @@
           <a:ea typeface="+mn-ea"/>
           <a:cs typeface="+mn-cs"/>
         </a:defRPr>
-      </a:lvl3pPr>
-      <a:lvl4pPr marL="1600200" indent="-228600" algn="l" defTabSz="914400" rtl="0" eaLnBrk="1" latinLnBrk="0" hangingPunct="1">
-        <a:lnSpc>
-          <a:spcPct val="90000"/>
-        </a:lnSpc>
-        <a:spcBef>
-          <a:spcPts val="500"/>
-        </a:spcBef>
-        <a:buFont typeface="Arial" panose="020B0604020202020204" pitchFamily="34" charset="0"/>
-        <a:buChar char="•"/>
-        <a:defRPr sz="1800" kern="1200">
-          <a:solidFill>
-            <a:schemeClr val="tx1"/>
-          </a:solidFill>
-          <a:latin typeface="+mn-lt"/>
-          <a:ea typeface="+mn-ea"/>
-          <a:cs typeface="+mn-cs"/>
-        </a:defRPr>
-      </a:lvl4pPr>
-      <a:lvl5pPr marL="2057400" indent="-228600" algn="l" defTabSz="914400" rtl="0" eaLnBrk="1" latinLnBrk="0" hangingPunct="1">
-        <a:lnSpc>
-          <a:spcPct val="90000"/>
-        </a:lnSpc>
-        <a:spcBef>
-          <a:spcPts val="500"/>
-        </a:spcBef>
-        <a:buFont typeface="Arial" panose="020B0604020202020204" pitchFamily="34" charset="0"/>
-        <a:buChar char="•"/>
-        <a:defRPr sz="1800" kern="1200">
-          <a:solidFill>
-            <a:schemeClr val="tx1"/>
-          </a:solidFill>
-          <a:latin typeface="+mn-lt"/>
-          <a:ea typeface="+mn-ea"/>
-          <a:cs typeface="+mn-cs"/>
-        </a:defRPr>
-      </a:lvl5pPr>
-      <a:lvl6pPr marL="2514600" indent="-228600" algn="l" defTabSz="914400" rtl="0" eaLnBrk="1" latinLnBrk="0" hangingPunct="1">
-        <a:lnSpc>
-          <a:spcPct val="90000"/>
-        </a:lnSpc>
-        <a:spcBef>
-          <a:spcPts val="500"/>
-        </a:spcBef>
-        <a:buFont typeface="Arial" panose="020B0604020202020204" pitchFamily="34" charset="0"/>
-        <a:buChar char="•"/>
-        <a:defRPr sz="1800" kern="1200">
-          <a:solidFill>
-            <a:schemeClr val="tx1"/>
-          </a:solidFill>
-          <a:latin typeface="+mn-lt"/>
-          <a:ea typeface="+mn-ea"/>
-          <a:cs typeface="+mn-cs"/>
-        </a:defRPr>
       </a:lvl6pPr>
       <a:lvl7pPr marL="2971800" indent="-228600" algn="l" defTabSz="914400" rtl="0" eaLnBrk="1" latinLnBrk="0" hangingPunct="1">
-        <a:lnSpc>
-          <a:spcPct val="90000"/>
-        </a:lnSpc>
         <a:spcBef>
-          <a:spcPts val="500"/>
+          <a:spcPct val="20000"/>
         </a:spcBef>
-        <a:buFont typeface="Arial" panose="020B0604020202020204" pitchFamily="34" charset="0"/>
+        <a:buFont typeface="Arial" pitchFamily="34" charset="0"/>
         <a:buChar char="•"/>
-        <a:defRPr sz="1800" kern="1200">
+        <a:defRPr sz="2000" kern="1200">
           <a:solidFill>
             <a:schemeClr val="tx1"/>
           </a:solidFill>
@@ -2821,15 +2905,12 @@
         </a:defRPr>
       </a:lvl7pPr>
       <a:lvl8pPr marL="3429000" indent="-228600" algn="l" defTabSz="914400" rtl="0" eaLnBrk="1" latinLnBrk="0" hangingPunct="1">
-        <a:lnSpc>
-          <a:spcPct val="90000"/>
-        </a:lnSpc>
         <a:spcBef>
-          <a:spcPts val="500"/>
+          <a:spcPct val="20000"/>
         </a:spcBef>
-        <a:buFont typeface="Arial" panose="020B0604020202020204" pitchFamily="34" charset="0"/>
+        <a:buFont typeface="Arial" pitchFamily="34" charset="0"/>
         <a:buChar char="•"/>
-        <a:defRPr sz="1800" kern="1200">
+        <a:defRPr sz="2000" kern="1200">
           <a:solidFill>
             <a:schemeClr val="tx1"/>
           </a:solidFill>
@@ -2839,15 +2920,12 @@
         </a:defRPr>
       </a:lvl8pPr>
       <a:lvl9pPr marL="3886200" indent="-228600" algn="l" defTabSz="914400" rtl="0" eaLnBrk="1" latinLnBrk="0" hangingPunct="1">
-        <a:lnSpc>
-          <a:spcPct val="90000"/>
-        </a:lnSpc>
         <a:spcBef>
-          <a:spcPts val="500"/>
+          <a:spcPct val="20000"/>
         </a:spcBef>
-        <a:buFont typeface="Arial" panose="020B0604020202020204" pitchFamily="34" charset="0"/>
+        <a:buFont typeface="Arial" pitchFamily="34" charset="0"/>
         <a:buChar char="•"/>
-        <a:defRPr sz="1800" kern="1200">
+        <a:defRPr sz="2000" kern="1200">
           <a:solidFill>
             <a:schemeClr val="tx1"/>
           </a:solidFill>
@@ -2859,7 +2937,7 @@
     </p:bodyStyle>
     <p:otherStyle>
       <a:defPPr>
-        <a:defRPr lang="en-US"/>
+        <a:defRPr lang="zh-TW"/>
       </a:defPPr>
       <a:lvl1pPr marL="0" algn="l" defTabSz="914400" rtl="0" eaLnBrk="1" latinLnBrk="0" hangingPunct="1">
         <a:defRPr sz="1800" kern="1200">
@@ -2978,7 +3056,7 @@
           <p:cNvPr id="2" name="Title 1">
             <a:extLst>
               <a:ext uri="{FF2B5EF4-FFF2-40B4-BE49-F238E27FC236}">
-                <a16:creationId xmlns:a16="http://schemas.microsoft.com/office/drawing/2014/main" id="{AA08847F-4558-4C6E-AA20-99847EE236C7}"/>
+                <a16:creationId xmlns:a16="http://schemas.microsoft.com/office/drawing/2014/main" xmlns="" id="{AA08847F-4558-4C6E-AA20-99847EE236C7}"/>
               </a:ext>
             </a:extLst>
           </p:cNvPr>
@@ -3014,7 +3092,7 @@
           <p:cNvPr id="3" name="Content Placeholder 2">
             <a:extLst>
               <a:ext uri="{FF2B5EF4-FFF2-40B4-BE49-F238E27FC236}">
-                <a16:creationId xmlns:a16="http://schemas.microsoft.com/office/drawing/2014/main" id="{97216163-6EE7-4710-85CD-036E74FA44B9}"/>
+                <a16:creationId xmlns:a16="http://schemas.microsoft.com/office/drawing/2014/main" xmlns="" id="{97216163-6EE7-4710-85CD-036E74FA44B9}"/>
               </a:ext>
             </a:extLst>
           </p:cNvPr>
@@ -3132,7 +3210,7 @@
           <p:cNvPr id="2" name="Title 1">
             <a:extLst>
               <a:ext uri="{FF2B5EF4-FFF2-40B4-BE49-F238E27FC236}">
-                <a16:creationId xmlns:a16="http://schemas.microsoft.com/office/drawing/2014/main" id="{AA08847F-4558-4C6E-AA20-99847EE236C7}"/>
+                <a16:creationId xmlns:a16="http://schemas.microsoft.com/office/drawing/2014/main" xmlns="" id="{AA08847F-4558-4C6E-AA20-99847EE236C7}"/>
               </a:ext>
             </a:extLst>
           </p:cNvPr>
@@ -3168,7 +3246,7 @@
           <p:cNvPr id="3" name="Content Placeholder 2">
             <a:extLst>
               <a:ext uri="{FF2B5EF4-FFF2-40B4-BE49-F238E27FC236}">
-                <a16:creationId xmlns:a16="http://schemas.microsoft.com/office/drawing/2014/main" id="{97216163-6EE7-4710-85CD-036E74FA44B9}"/>
+                <a16:creationId xmlns:a16="http://schemas.microsoft.com/office/drawing/2014/main" xmlns="" id="{97216163-6EE7-4710-85CD-036E74FA44B9}"/>
               </a:ext>
             </a:extLst>
           </p:cNvPr>
@@ -3182,7 +3260,7 @@
         <p:spPr/>
         <p:txBody>
           <a:bodyPr>
-            <a:normAutofit/>
+            <a:normAutofit lnSpcReduction="10000"/>
           </a:bodyPr>
           <a:lstStyle/>
           <a:p>
@@ -3302,7 +3380,7 @@
           <p:cNvPr id="2" name="Title 1">
             <a:extLst>
               <a:ext uri="{FF2B5EF4-FFF2-40B4-BE49-F238E27FC236}">
-                <a16:creationId xmlns:a16="http://schemas.microsoft.com/office/drawing/2014/main" id="{AA08847F-4558-4C6E-AA20-99847EE236C7}"/>
+                <a16:creationId xmlns:a16="http://schemas.microsoft.com/office/drawing/2014/main" xmlns="" id="{AA08847F-4558-4C6E-AA20-99847EE236C7}"/>
               </a:ext>
             </a:extLst>
           </p:cNvPr>
@@ -3338,7 +3416,7 @@
           <p:cNvPr id="3" name="Content Placeholder 2">
             <a:extLst>
               <a:ext uri="{FF2B5EF4-FFF2-40B4-BE49-F238E27FC236}">
-                <a16:creationId xmlns:a16="http://schemas.microsoft.com/office/drawing/2014/main" id="{97216163-6EE7-4710-85CD-036E74FA44B9}"/>
+                <a16:creationId xmlns:a16="http://schemas.microsoft.com/office/drawing/2014/main" xmlns="" id="{97216163-6EE7-4710-85CD-036E74FA44B9}"/>
               </a:ext>
             </a:extLst>
           </p:cNvPr>
@@ -3456,7 +3534,7 @@
           <p:cNvPr id="2" name="Title 1">
             <a:extLst>
               <a:ext uri="{FF2B5EF4-FFF2-40B4-BE49-F238E27FC236}">
-                <a16:creationId xmlns:a16="http://schemas.microsoft.com/office/drawing/2014/main" id="{AA08847F-4558-4C6E-AA20-99847EE236C7}"/>
+                <a16:creationId xmlns:a16="http://schemas.microsoft.com/office/drawing/2014/main" xmlns="" id="{AA08847F-4558-4C6E-AA20-99847EE236C7}"/>
               </a:ext>
             </a:extLst>
           </p:cNvPr>
@@ -3492,7 +3570,7 @@
           <p:cNvPr id="3" name="Content Placeholder 2">
             <a:extLst>
               <a:ext uri="{FF2B5EF4-FFF2-40B4-BE49-F238E27FC236}">
-                <a16:creationId xmlns:a16="http://schemas.microsoft.com/office/drawing/2014/main" id="{97216163-6EE7-4710-85CD-036E74FA44B9}"/>
+                <a16:creationId xmlns:a16="http://schemas.microsoft.com/office/drawing/2014/main" xmlns="" id="{97216163-6EE7-4710-85CD-036E74FA44B9}"/>
               </a:ext>
             </a:extLst>
           </p:cNvPr>
@@ -3506,7 +3584,7 @@
         <p:spPr/>
         <p:txBody>
           <a:bodyPr>
-            <a:normAutofit/>
+            <a:normAutofit lnSpcReduction="10000"/>
           </a:bodyPr>
           <a:lstStyle/>
           <a:p>
@@ -3605,9 +3683,9 @@
 </file>
 
 <file path=ppt/theme/theme1.xml><?xml version="1.0" encoding="utf-8"?>
-<a:theme xmlns:a="http://schemas.openxmlformats.org/drawingml/2006/main" name="Office Theme">
+<a:theme xmlns:a="http://schemas.openxmlformats.org/drawingml/2006/main" name="jiaohui">
   <a:themeElements>
-    <a:clrScheme name="Office Theme">
+    <a:clrScheme name="Office">
       <a:dk1>
         <a:sysClr val="windowText" lastClr="000000"/>
       </a:dk1>
@@ -3615,44 +3693,44 @@
         <a:sysClr val="window" lastClr="FFFFFF"/>
       </a:lt1>
       <a:dk2>
-        <a:srgbClr val="44546A"/>
+        <a:srgbClr val="1F497D"/>
       </a:dk2>
       <a:lt2>
-        <a:srgbClr val="E7E6E6"/>
+        <a:srgbClr val="EEECE1"/>
       </a:lt2>
       <a:accent1>
-        <a:srgbClr val="4472C4"/>
+        <a:srgbClr val="4F81BD"/>
       </a:accent1>
       <a:accent2>
-        <a:srgbClr val="ED7D31"/>
+        <a:srgbClr val="C0504D"/>
       </a:accent2>
       <a:accent3>
-        <a:srgbClr val="A5A5A5"/>
+        <a:srgbClr val="9BBB59"/>
       </a:accent3>
       <a:accent4>
-        <a:srgbClr val="FFC000"/>
+        <a:srgbClr val="8064A2"/>
       </a:accent4>
       <a:accent5>
-        <a:srgbClr val="5B9BD5"/>
+        <a:srgbClr val="4BACC6"/>
       </a:accent5>
       <a:accent6>
-        <a:srgbClr val="70AD47"/>
+        <a:srgbClr val="F79646"/>
       </a:accent6>
       <a:hlink>
-        <a:srgbClr val="0563C1"/>
+        <a:srgbClr val="0000FF"/>
       </a:hlink>
       <a:folHlink>
-        <a:srgbClr val="954F72"/>
+        <a:srgbClr val="800080"/>
       </a:folHlink>
     </a:clrScheme>
-    <a:fontScheme name="Office Theme">
+    <a:fontScheme name="Office">
       <a:majorFont>
-        <a:latin typeface="Calibri Light" panose="020F0302020204030204"/>
+        <a:latin typeface="Calibri"/>
         <a:ea typeface=""/>
         <a:cs typeface=""/>
-        <a:font script="Jpan" typeface="游ゴシック Light"/>
+        <a:font script="Jpan" typeface="ＭＳ Ｐゴシック"/>
         <a:font script="Hang" typeface="맑은 고딕"/>
-        <a:font script="Hans" typeface="等线 Light"/>
+        <a:font script="Hans" typeface="宋体"/>
         <a:font script="Hant" typeface="新細明體"/>
         <a:font script="Arab" typeface="Times New Roman"/>
         <a:font script="Hebr" typeface="Times New Roman"/>
@@ -3679,15 +3757,14 @@
         <a:font script="Mong" typeface="Mongolian Baiti"/>
         <a:font script="Viet" typeface="Times New Roman"/>
         <a:font script="Uigh" typeface="Microsoft Uighur"/>
-        <a:font script="Geor" typeface="Sylfaen"/>
       </a:majorFont>
       <a:minorFont>
-        <a:latin typeface="Calibri" panose="020F0502020204030204"/>
+        <a:latin typeface="Calibri"/>
         <a:ea typeface=""/>
         <a:cs typeface=""/>
-        <a:font script="Jpan" typeface="游ゴシック"/>
+        <a:font script="Jpan" typeface="ＭＳ Ｐゴシック"/>
         <a:font script="Hang" typeface="맑은 고딕"/>
-        <a:font script="Hans" typeface="等线"/>
+        <a:font script="Hans" typeface="宋体"/>
         <a:font script="Hant" typeface="新細明體"/>
         <a:font script="Arab" typeface="Arial"/>
         <a:font script="Hebr" typeface="Arial"/>
@@ -3714,10 +3791,9 @@
         <a:font script="Mong" typeface="Mongolian Baiti"/>
         <a:font script="Viet" typeface="Arial"/>
         <a:font script="Uigh" typeface="Microsoft Uighur"/>
-        <a:font script="Geor" typeface="Sylfaen"/>
       </a:minorFont>
     </a:fontScheme>
-    <a:fmtScheme name="Office Theme">
+    <a:fmtScheme name="Office">
       <a:fillStyleLst>
         <a:solidFill>
           <a:schemeClr val="phClr"/>
@@ -3726,141 +3802,165 @@
           <a:gsLst>
             <a:gs pos="0">
               <a:schemeClr val="phClr">
-                <a:lumMod val="110000"/>
-                <a:satMod val="105000"/>
-                <a:tint val="67000"/>
+                <a:tint val="50000"/>
+                <a:satMod val="300000"/>
               </a:schemeClr>
             </a:gs>
-            <a:gs pos="50000">
+            <a:gs pos="35000">
               <a:schemeClr val="phClr">
-                <a:lumMod val="105000"/>
-                <a:satMod val="103000"/>
-                <a:tint val="73000"/>
+                <a:tint val="37000"/>
+                <a:satMod val="300000"/>
               </a:schemeClr>
             </a:gs>
             <a:gs pos="100000">
               <a:schemeClr val="phClr">
-                <a:lumMod val="105000"/>
-                <a:satMod val="109000"/>
-                <a:tint val="81000"/>
+                <a:tint val="15000"/>
+                <a:satMod val="350000"/>
               </a:schemeClr>
             </a:gs>
           </a:gsLst>
-          <a:lin ang="5400000" scaled="0"/>
+          <a:lin ang="16200000" scaled="1"/>
         </a:gradFill>
         <a:gradFill rotWithShape="1">
           <a:gsLst>
             <a:gs pos="0">
               <a:schemeClr val="phClr">
-                <a:satMod val="103000"/>
-                <a:lumMod val="102000"/>
-                <a:tint val="94000"/>
+                <a:shade val="51000"/>
+                <a:satMod val="130000"/>
               </a:schemeClr>
             </a:gs>
-            <a:gs pos="50000">
+            <a:gs pos="80000">
               <a:schemeClr val="phClr">
-                <a:satMod val="110000"/>
-                <a:lumMod val="100000"/>
-                <a:shade val="100000"/>
+                <a:shade val="93000"/>
+                <a:satMod val="130000"/>
               </a:schemeClr>
             </a:gs>
             <a:gs pos="100000">
               <a:schemeClr val="phClr">
-                <a:lumMod val="99000"/>
-                <a:satMod val="120000"/>
-                <a:shade val="78000"/>
+                <a:shade val="94000"/>
+                <a:satMod val="135000"/>
               </a:schemeClr>
             </a:gs>
           </a:gsLst>
-          <a:lin ang="5400000" scaled="0"/>
+          <a:lin ang="16200000" scaled="0"/>
         </a:gradFill>
       </a:fillStyleLst>
       <a:lnStyleLst>
-        <a:ln w="6350" cap="flat" cmpd="sng" algn="ctr">
+        <a:ln w="9525" cap="flat" cmpd="sng" algn="ctr">
+          <a:solidFill>
+            <a:schemeClr val="phClr">
+              <a:shade val="95000"/>
+              <a:satMod val="105000"/>
+            </a:schemeClr>
+          </a:solidFill>
+          <a:prstDash val="solid"/>
+        </a:ln>
+        <a:ln w="25400" cap="flat" cmpd="sng" algn="ctr">
           <a:solidFill>
             <a:schemeClr val="phClr"/>
           </a:solidFill>
           <a:prstDash val="solid"/>
-          <a:miter lim="800000"/>
         </a:ln>
-        <a:ln w="12700" cap="flat" cmpd="sng" algn="ctr">
+        <a:ln w="38100" cap="flat" cmpd="sng" algn="ctr">
           <a:solidFill>
             <a:schemeClr val="phClr"/>
           </a:solidFill>
           <a:prstDash val="solid"/>
-          <a:miter lim="800000"/>
-        </a:ln>
-        <a:ln w="19050" cap="flat" cmpd="sng" algn="ctr">
-          <a:solidFill>
-            <a:schemeClr val="phClr"/>
-          </a:solidFill>
-          <a:prstDash val="solid"/>
-          <a:miter lim="800000"/>
         </a:ln>
       </a:lnStyleLst>
       <a:effectStyleLst>
         <a:effectStyle>
-          <a:effectLst/>
-        </a:effectStyle>
-        <a:effectStyle>
-          <a:effectLst/>
+          <a:effectLst>
+            <a:outerShdw blurRad="40000" dist="20000" dir="5400000" rotWithShape="0">
+              <a:srgbClr val="000000">
+                <a:alpha val="38000"/>
+              </a:srgbClr>
+            </a:outerShdw>
+          </a:effectLst>
         </a:effectStyle>
         <a:effectStyle>
           <a:effectLst>
-            <a:outerShdw blurRad="57150" dist="19050" dir="5400000" algn="ctr" rotWithShape="0">
+            <a:outerShdw blurRad="40000" dist="23000" dir="5400000" rotWithShape="0">
               <a:srgbClr val="000000">
-                <a:alpha val="63000"/>
+                <a:alpha val="35000"/>
               </a:srgbClr>
             </a:outerShdw>
           </a:effectLst>
+        </a:effectStyle>
+        <a:effectStyle>
+          <a:effectLst>
+            <a:outerShdw blurRad="40000" dist="23000" dir="5400000" rotWithShape="0">
+              <a:srgbClr val="000000">
+                <a:alpha val="35000"/>
+              </a:srgbClr>
+            </a:outerShdw>
+          </a:effectLst>
+          <a:scene3d>
+            <a:camera prst="orthographicFront">
+              <a:rot lat="0" lon="0" rev="0"/>
+            </a:camera>
+            <a:lightRig rig="threePt" dir="t">
+              <a:rot lat="0" lon="0" rev="1200000"/>
+            </a:lightRig>
+          </a:scene3d>
+          <a:sp3d>
+            <a:bevelT w="63500" h="25400"/>
+          </a:sp3d>
         </a:effectStyle>
       </a:effectStyleLst>
       <a:bgFillStyleLst>
         <a:solidFill>
           <a:schemeClr val="phClr"/>
         </a:solidFill>
-        <a:solidFill>
-          <a:schemeClr val="phClr">
-            <a:tint val="95000"/>
-            <a:satMod val="170000"/>
-          </a:schemeClr>
-        </a:solidFill>
         <a:gradFill rotWithShape="1">
           <a:gsLst>
             <a:gs pos="0">
               <a:schemeClr val="phClr">
-                <a:tint val="93000"/>
-                <a:satMod val="150000"/>
-                <a:shade val="98000"/>
-                <a:lumMod val="102000"/>
+                <a:tint val="40000"/>
+                <a:satMod val="350000"/>
               </a:schemeClr>
             </a:gs>
-            <a:gs pos="50000">
+            <a:gs pos="40000">
               <a:schemeClr val="phClr">
-                <a:tint val="98000"/>
-                <a:satMod val="130000"/>
-                <a:shade val="90000"/>
-                <a:lumMod val="103000"/>
+                <a:tint val="45000"/>
+                <a:shade val="99000"/>
+                <a:satMod val="350000"/>
               </a:schemeClr>
             </a:gs>
             <a:gs pos="100000">
               <a:schemeClr val="phClr">
-                <a:shade val="63000"/>
-                <a:satMod val="120000"/>
+                <a:shade val="20000"/>
+                <a:satMod val="255000"/>
               </a:schemeClr>
             </a:gs>
           </a:gsLst>
-          <a:lin ang="5400000" scaled="0"/>
+          <a:path path="circle">
+            <a:fillToRect l="50000" t="-80000" r="50000" b="180000"/>
+          </a:path>
+        </a:gradFill>
+        <a:gradFill rotWithShape="1">
+          <a:gsLst>
+            <a:gs pos="0">
+              <a:schemeClr val="phClr">
+                <a:tint val="80000"/>
+                <a:satMod val="300000"/>
+              </a:schemeClr>
+            </a:gs>
+            <a:gs pos="100000">
+              <a:schemeClr val="phClr">
+                <a:shade val="30000"/>
+                <a:satMod val="200000"/>
+              </a:schemeClr>
+            </a:gs>
+          </a:gsLst>
+          <a:path path="circle">
+            <a:fillToRect l="50000" t="50000" r="50000" b="50000"/>
+          </a:path>
         </a:gradFill>
       </a:bgFillStyleLst>
     </a:fmtScheme>
   </a:themeElements>
   <a:objectDefaults/>
   <a:extraClrSchemeLst/>
-  <a:extLst>
-    <a:ext uri="{05A4C25C-085E-4340-85A3-A5531E510DB2}">
-      <thm15:themeFamily xmlns:thm15="http://schemas.microsoft.com/office/thememl/2012/main" name="Office Theme" id="{62F939B6-93AF-4DB8-9C6B-D6C7DFDC589F}" vid="{4A3C46E8-61CC-4603-A589-7422A47A8E4A}"/>
-    </a:ext>
-  </a:extLst>
 </a:theme>
 </file>